--- a/posts/6/slides.pptx
+++ b/posts/6/slides.pptx
@@ -3883,10 +3883,9 @@
     <p:bg>
       <p:bgPr shadeToTitle="0">
         <a:solidFill>
-          <a:schemeClr val="accent4">
-            <a:lumMod val="50000"/>
+          <a:srgbClr val="26233A">
             <a:alpha val="99999"/>
-          </a:schemeClr>
+          </a:srgbClr>
         </a:solidFill>
       </p:bgPr>
     </p:bg>
@@ -3904,47 +3903,6 @@
           <a:chExt cx="0" cy="0"/>
         </a:xfrm>
       </p:grpSpPr>
-      <p:sp>
-        <p:nvSpPr>
-          <p:cNvPr id="1211603716" name=""/>
-          <p:cNvSpPr/>
-          <p:nvPr/>
-        </p:nvSpPr>
-        <p:spPr bwMode="auto">
-          <a:xfrm flipH="0" flipV="0">
-            <a:off x="581146" y="1619248"/>
-            <a:ext cx="9081799" cy="7938594"/>
-          </a:xfrm>
-          <a:prstGeom prst="roundRect">
-            <a:avLst>
-              <a:gd name="adj" fmla="val 3765"/>
-            </a:avLst>
-          </a:prstGeom>
-          <a:solidFill>
-            <a:srgbClr val="232136"/>
-          </a:solidFill>
-          <a:ln w="28575" cap="flat" cmpd="sng" algn="ctr">
-            <a:noFill/>
-            <a:prstDash val="solid"/>
-          </a:ln>
-        </p:spPr>
-        <p:style>
-          <a:lnRef idx="2">
-            <a:schemeClr val="accent1">
-              <a:shade val="50000"/>
-            </a:schemeClr>
-          </a:lnRef>
-          <a:fillRef idx="1">
-            <a:schemeClr val="accent1"/>
-          </a:fillRef>
-          <a:effectRef idx="0">
-            <a:schemeClr val="accent1"/>
-          </a:effectRef>
-          <a:fontRef idx="minor">
-            <a:schemeClr val="lt1"/>
-          </a:fontRef>
-        </p:style>
-      </p:sp>
       <p:pic>
         <p:nvPicPr>
           <p:cNvPr id="1181590362" name=""/>
@@ -3960,7 +3918,7 @@
         <p:spPr bwMode="auto">
           <a:xfrm rot="0" flipH="0" flipV="0">
             <a:off x="1347107" y="2757234"/>
-            <a:ext cx="5919107" cy="5017429"/>
+            <a:ext cx="5919107" cy="5017428"/>
           </a:xfrm>
           <a:prstGeom prst="roundRect">
             <a:avLst>
@@ -3969,54 +3927,6 @@
           </a:prstGeom>
         </p:spPr>
       </p:pic>
-      <p:sp>
-        <p:nvSpPr>
-          <p:cNvPr id="640765977" name="TextBox 6"/>
-          <p:cNvSpPr txBox="1"/>
-          <p:nvPr/>
-        </p:nvSpPr>
-        <p:spPr bwMode="auto">
-          <a:xfrm rot="0" flipH="0" flipV="0">
-            <a:off x="8768151" y="9279215"/>
-            <a:ext cx="1261780" cy="782552"/>
-          </a:xfrm>
-          <a:prstGeom prst="rect">
-            <a:avLst/>
-          </a:prstGeom>
-        </p:spPr>
-        <p:txBody>
-          <a:bodyPr lIns="0" tIns="0" rIns="0" bIns="0" rtlCol="0" anchor="t">
-            <a:spAutoFit/>
-          </a:bodyPr>
-          <a:lstStyle/>
-          <a:p>
-            <a:pPr algn="ctr">
-              <a:lnSpc>
-                <a:spcPts val="6159"/>
-              </a:lnSpc>
-              <a:defRPr/>
-            </a:pPr>
-            <a:r>
-              <a:rPr lang="en-US" sz="2600" b="0">
-                <a:solidFill>
-                  <a:schemeClr val="bg1"/>
-                </a:solidFill>
-                <a:latin typeface="Agave"/>
-                <a:ea typeface="Agave"/>
-                <a:cs typeface="Agave"/>
-              </a:rPr>
-              <a:t>1/3</a:t>
-            </a:r>
-            <a:endParaRPr sz="2600" b="0">
-              <a:solidFill>
-                <a:schemeClr val="bg1"/>
-              </a:solidFill>
-              <a:latin typeface="Tinos"/>
-              <a:cs typeface="Tinos"/>
-            </a:endParaRPr>
-          </a:p>
-        </p:txBody>
-      </p:sp>
       <p:cxnSp>
         <p:nvCxnSpPr>
           <p:cNvPr id="645384857" name=""/>
@@ -4026,21 +3936,21 @@
           <p:nvPr/>
         </p:nvCxnSpPr>
         <p:spPr bwMode="auto">
-          <a:xfrm rot="10799952" flipH="1" flipV="0">
-            <a:off x="1347106" y="8220710"/>
+          <a:xfrm rot="10799990" flipH="1" flipV="0">
+            <a:off x="1346400" y="8222400"/>
             <a:ext cx="5992421" cy="0"/>
           </a:xfrm>
           <a:prstGeom prst="line">
             <a:avLst/>
           </a:prstGeom>
-          <a:ln w="57150" cap="flat" cmpd="sng" algn="ctr">
+          <a:ln w="38099" cap="flat" cmpd="sng" algn="ctr">
             <a:solidFill>
               <a:schemeClr val="bg1">
                 <a:lumMod val="74901"/>
               </a:schemeClr>
             </a:solidFill>
             <a:prstDash val="solid"/>
-            <a:tailEnd type="arrow" len="med"/>
+            <a:tailEnd type="oval" len="med"/>
           </a:ln>
         </p:spPr>
         <p:style>
@@ -4068,8 +3978,8 @@
         </p:nvSpPr>
         <p:spPr bwMode="auto">
           <a:xfrm flipH="0" flipV="0">
-            <a:off x="1709389" y="8835676"/>
-            <a:ext cx="5533210" cy="457559"/>
+            <a:off x="1545164" y="8933792"/>
+            <a:ext cx="6111761" cy="488039"/>
           </a:xfrm>
           <a:prstGeom prst="rect">
             <a:avLst/>
@@ -4085,11 +3995,9 @@
               <a:defRPr/>
             </a:pPr>
             <a:r>
-              <a:rPr sz="2400" b="1">
-                <a:solidFill>
-                  <a:schemeClr val="bg1">
-                    <a:lumMod val="75000"/>
-                  </a:schemeClr>
+              <a:rPr sz="2600" b="0">
+                <a:solidFill>
+                  <a:schemeClr val="bg1"/>
                 </a:solidFill>
                 <a:latin typeface="Agave"/>
                 <a:ea typeface="Agave"/>
@@ -4097,11 +4005,9 @@
               </a:rPr>
               <a:t>Increase in Life Expectancy (Years)</a:t>
             </a:r>
-            <a:endParaRPr sz="2400" b="1">
+            <a:endParaRPr sz="2600" b="0">
               <a:solidFill>
-                <a:schemeClr val="bg1">
-                  <a:lumMod val="75000"/>
-                </a:schemeClr>
+                <a:schemeClr val="bg1"/>
               </a:solidFill>
               <a:latin typeface="Agave"/>
               <a:cs typeface="Agave"/>
@@ -4111,14 +4017,14 @@
       </p:sp>
       <p:sp>
         <p:nvSpPr>
-          <p:cNvPr id="1865465620" name="TextBox 6"/>
+          <p:cNvPr id="607314422" name="TextBox 6"/>
           <p:cNvSpPr txBox="1"/>
           <p:nvPr/>
         </p:nvSpPr>
         <p:spPr bwMode="auto">
           <a:xfrm rot="0" flipH="0" flipV="0">
-            <a:off x="-80784" y="1091786"/>
-            <a:ext cx="10589178" cy="335639"/>
+            <a:off x="364655" y="163458"/>
+            <a:ext cx="9830219" cy="1219559"/>
           </a:xfrm>
           <a:prstGeom prst="rect">
             <a:avLst/>
@@ -4130,152 +4036,41 @@
           </a:bodyPr>
           <a:lstStyle/>
           <a:p>
-            <a:pPr algn="ctr">
-              <a:defRPr/>
-            </a:pPr>
-            <a:r>
-              <a:rPr lang="en-US" sz="2200" b="0" i="0" u="none" strike="noStrike" cap="none" spc="0">
-                <a:solidFill>
-                  <a:schemeClr val="bg1">
-                    <a:lumMod val="75000"/>
-                  </a:schemeClr>
+            <a:pPr algn="l">
+              <a:lnSpc>
+                <a:spcPct val="100000"/>
+              </a:lnSpc>
+              <a:defRPr/>
+            </a:pPr>
+            <a:r>
+              <a:rPr lang="en-US" sz="4000" b="0">
+                <a:solidFill>
+                  <a:schemeClr val="bg1"/>
                 </a:solidFill>
                 <a:latin typeface="Agave"/>
                 <a:ea typeface="Agave"/>
                 <a:cs typeface="Agave"/>
               </a:rPr>
-              <a:t>Fadnes, Lars T et al. </a:t>
-            </a:r>
-            <a:r>
-              <a:rPr lang="en-US" sz="2200" b="0" i="0" u="none" strike="noStrike" cap="none" spc="0">
-                <a:solidFill>
-                  <a:schemeClr val="bg1">
-                    <a:lumMod val="75000"/>
-                  </a:schemeClr>
+              <a:t>Changing Typical Western Diet Improves </a:t>
+            </a:r>
+            <a:r>
+              <a:rPr lang="en-US" sz="4000" b="0">
+                <a:solidFill>
+                  <a:schemeClr val="bg1"/>
                 </a:solidFill>
                 <a:latin typeface="Agave"/>
                 <a:ea typeface="Agave"/>
                 <a:cs typeface="Agave"/>
               </a:rPr>
-              <a:t>PLoS Med</a:t>
-            </a:r>
-            <a:r>
-              <a:rPr lang="en-US" sz="2200" b="0" i="0" u="none" strike="noStrike" cap="none" spc="0">
-                <a:solidFill>
-                  <a:schemeClr val="bg1">
-                    <a:lumMod val="75000"/>
-                  </a:schemeClr>
-                </a:solidFill>
-                <a:latin typeface="Agave"/>
-                <a:ea typeface="Agave"/>
-                <a:cs typeface="Agave"/>
-              </a:rPr>
-              <a:t> 2022 Feb 8; 19(2)</a:t>
-            </a:r>
-            <a:endParaRPr lang="en-US" sz="2200" b="0" i="0" u="none" strike="noStrike" cap="none" spc="0">
-              <a:solidFill>
-                <a:schemeClr val="bg1">
-                  <a:lumMod val="75000"/>
-                </a:schemeClr>
-              </a:solidFill>
-              <a:latin typeface="Agave"/>
-              <a:cs typeface="Agave"/>
-            </a:endParaRPr>
-          </a:p>
-        </p:txBody>
-      </p:sp>
-      <p:sp>
-        <p:nvSpPr>
-          <p:cNvPr id="110133934" name="TextBox 6"/>
-          <p:cNvSpPr txBox="1"/>
-          <p:nvPr/>
-        </p:nvSpPr>
-        <p:spPr bwMode="auto">
-          <a:xfrm rot="0" flipH="0" flipV="0">
-            <a:off x="501507" y="9279211"/>
-            <a:ext cx="4016426" cy="782298"/>
-          </a:xfrm>
-          <a:prstGeom prst="rect">
-            <a:avLst/>
-          </a:prstGeom>
-        </p:spPr>
-        <p:txBody>
-          <a:bodyPr lIns="0" tIns="0" rIns="0" bIns="0" rtlCol="0" anchor="t">
-            <a:spAutoFit/>
-          </a:bodyPr>
-          <a:lstStyle/>
-          <a:p>
-            <a:pPr algn="ctr">
-              <a:lnSpc>
-                <a:spcPts val="6157"/>
-              </a:lnSpc>
-              <a:defRPr/>
-            </a:pPr>
-            <a:r>
-              <a:rPr lang="en-US" sz="2600" b="0">
-                <a:solidFill>
-                  <a:schemeClr val="bg1"/>
-                </a:solidFill>
-                <a:latin typeface="Agave"/>
-                <a:ea typeface="Agave"/>
-                <a:cs typeface="Agave"/>
-              </a:rPr>
-              <a:t>Counsels on Lifestyle</a:t>
-            </a:r>
-            <a:endParaRPr sz="2600" b="0">
+              <a:t>Life Expectancy By Over 10 Years</a:t>
+            </a:r>
+            <a:endParaRPr lang="en-US" sz="4000" b="0">
               <a:solidFill>
                 <a:schemeClr val="bg1"/>
               </a:solidFill>
-              <a:latin typeface="Tinos"/>
-              <a:cs typeface="Tinos"/>
-            </a:endParaRPr>
-          </a:p>
-        </p:txBody>
-      </p:sp>
-      <p:sp>
-        <p:nvSpPr>
-          <p:cNvPr id="607314422" name="TextBox 6"/>
-          <p:cNvSpPr txBox="1"/>
-          <p:nvPr/>
-        </p:nvSpPr>
-        <p:spPr bwMode="auto">
-          <a:xfrm rot="0" flipH="0" flipV="0">
-            <a:off x="-291593" y="163459"/>
-            <a:ext cx="11100798" cy="782298"/>
-          </a:xfrm>
-          <a:prstGeom prst="rect">
-            <a:avLst/>
-          </a:prstGeom>
-        </p:spPr>
-        <p:txBody>
-          <a:bodyPr lIns="0" tIns="0" rIns="0" bIns="0" rtlCol="0" anchor="t">
-            <a:spAutoFit/>
-          </a:bodyPr>
-          <a:lstStyle/>
-          <a:p>
-            <a:pPr algn="ctr">
-              <a:lnSpc>
-                <a:spcPts val="6157"/>
-              </a:lnSpc>
-              <a:defRPr/>
-            </a:pPr>
-            <a:r>
-              <a:rPr lang="en-US" sz="2800" b="0">
-                <a:solidFill>
-                  <a:schemeClr val="bg1"/>
-                </a:solidFill>
-                <a:latin typeface="Agave"/>
-                <a:ea typeface="Agave"/>
-                <a:cs typeface="Agave"/>
-              </a:rPr>
-              <a:t>Life Expectancy (LE) and The Typical Western Diet</a:t>
-            </a:r>
-            <a:endParaRPr sz="2800" b="0">
-              <a:solidFill>
-                <a:schemeClr val="bg1"/>
-              </a:solidFill>
-              <a:latin typeface="Tinos"/>
-              <a:cs typeface="Tinos"/>
+              <a:latin typeface="Agave"/>
+              <a:ea typeface="Agave"/>
+              <a:cs typeface="Agave"/>
             </a:endParaRPr>
           </a:p>
         </p:txBody>
@@ -4330,224 +4125,24 @@
       </p:sp>
       <p:sp>
         <p:nvSpPr>
-          <p:cNvPr id="743562379" name=""/>
-          <p:cNvSpPr/>
+          <p:cNvPr id="554929183" name=""/>
+          <p:cNvSpPr txBox="1"/>
           <p:nvPr/>
         </p:nvSpPr>
         <p:spPr bwMode="auto">
           <a:xfrm flipH="0" flipV="0">
-            <a:off x="7313835" y="3384279"/>
-            <a:ext cx="2132508" cy="366120"/>
+            <a:off x="7288435" y="3405033"/>
+            <a:ext cx="2639283" cy="473248"/>
           </a:xfrm>
           <a:prstGeom prst="roundRect">
             <a:avLst>
-              <a:gd name="adj" fmla="val 8130"/>
+              <a:gd name="adj" fmla="val 16667"/>
             </a:avLst>
           </a:prstGeom>
           <a:solidFill>
             <a:srgbClr val="362B42"/>
           </a:solidFill>
-          <a:ln w="19049" cap="flat" cmpd="sng" algn="ctr">
-            <a:noFill/>
-            <a:prstDash val="solid"/>
-          </a:ln>
-        </p:spPr>
-        <p:style>
-          <a:lnRef idx="2">
-            <a:schemeClr val="accent1">
-              <a:shade val="50000"/>
-            </a:schemeClr>
-          </a:lnRef>
-          <a:fillRef idx="1">
-            <a:schemeClr val="accent1"/>
-          </a:fillRef>
-          <a:effectRef idx="0">
-            <a:schemeClr val="accent1"/>
-          </a:effectRef>
-          <a:fontRef idx="minor">
-            <a:schemeClr val="lt1"/>
-          </a:fontRef>
-        </p:style>
-      </p:sp>
-      <p:sp>
-        <p:nvSpPr>
-          <p:cNvPr id="1226638822" name=""/>
-          <p:cNvSpPr/>
-          <p:nvPr/>
-        </p:nvSpPr>
-        <p:spPr bwMode="auto">
-          <a:xfrm flipH="0" flipV="0">
-            <a:off x="7320186" y="2835003"/>
-            <a:ext cx="1606713" cy="366120"/>
-          </a:xfrm>
-          <a:prstGeom prst="roundRect">
-            <a:avLst>
-              <a:gd name="adj" fmla="val 8130"/>
-            </a:avLst>
-          </a:prstGeom>
-          <a:solidFill>
-            <a:srgbClr val="362B42"/>
-          </a:solidFill>
-          <a:ln w="19049" cap="flat" cmpd="sng" algn="ctr">
-            <a:noFill/>
-            <a:prstDash val="solid"/>
-          </a:ln>
-        </p:spPr>
-        <p:style>
-          <a:lnRef idx="2">
-            <a:schemeClr val="accent1">
-              <a:shade val="50000"/>
-            </a:schemeClr>
-          </a:lnRef>
-          <a:fillRef idx="1">
-            <a:schemeClr val="accent1"/>
-          </a:fillRef>
-          <a:effectRef idx="0">
-            <a:schemeClr val="accent1"/>
-          </a:effectRef>
-          <a:fontRef idx="minor">
-            <a:schemeClr val="lt1"/>
-          </a:fontRef>
-        </p:style>
-      </p:sp>
-      <p:sp>
-        <p:nvSpPr>
-          <p:cNvPr id="1553965605" name=""/>
-          <p:cNvSpPr/>
-          <p:nvPr/>
-        </p:nvSpPr>
-        <p:spPr bwMode="auto">
-          <a:xfrm flipH="0" flipV="0">
-            <a:off x="7313835" y="4019278"/>
-            <a:ext cx="1454314" cy="366120"/>
-          </a:xfrm>
-          <a:prstGeom prst="roundRect">
-            <a:avLst>
-              <a:gd name="adj" fmla="val 8130"/>
-            </a:avLst>
-          </a:prstGeom>
-          <a:solidFill>
-            <a:srgbClr val="362B42"/>
-          </a:solidFill>
-          <a:ln w="19049" cap="flat" cmpd="sng" algn="ctr">
-            <a:noFill/>
-            <a:prstDash val="solid"/>
-          </a:ln>
-        </p:spPr>
-        <p:style>
-          <a:lnRef idx="2">
-            <a:schemeClr val="accent1">
-              <a:shade val="50000"/>
-            </a:schemeClr>
-          </a:lnRef>
-          <a:fillRef idx="1">
-            <a:schemeClr val="accent1"/>
-          </a:fillRef>
-          <a:effectRef idx="0">
-            <a:schemeClr val="accent1"/>
-          </a:effectRef>
-          <a:fontRef idx="minor">
-            <a:schemeClr val="lt1"/>
-          </a:fontRef>
-        </p:style>
-      </p:sp>
-      <p:sp>
-        <p:nvSpPr>
-          <p:cNvPr id="2043687593" name=""/>
-          <p:cNvSpPr/>
-          <p:nvPr/>
-        </p:nvSpPr>
-        <p:spPr bwMode="auto">
-          <a:xfrm flipH="0" flipV="0">
-            <a:off x="7307485" y="4647928"/>
-            <a:ext cx="1817463" cy="366120"/>
-          </a:xfrm>
-          <a:prstGeom prst="roundRect">
-            <a:avLst>
-              <a:gd name="adj" fmla="val 8130"/>
-            </a:avLst>
-          </a:prstGeom>
-          <a:solidFill>
-            <a:srgbClr val="362B42"/>
-          </a:solidFill>
-          <a:ln w="19049" cap="flat" cmpd="sng" algn="ctr">
-            <a:noFill/>
-            <a:prstDash val="solid"/>
-          </a:ln>
-        </p:spPr>
-        <p:style>
-          <a:lnRef idx="2">
-            <a:schemeClr val="accent1">
-              <a:shade val="50000"/>
-            </a:schemeClr>
-          </a:lnRef>
-          <a:fillRef idx="1">
-            <a:schemeClr val="accent1"/>
-          </a:fillRef>
-          <a:effectRef idx="0">
-            <a:schemeClr val="accent1"/>
-          </a:effectRef>
-          <a:fontRef idx="minor">
-            <a:schemeClr val="lt1"/>
-          </a:fontRef>
-        </p:style>
-      </p:sp>
-      <p:sp>
-        <p:nvSpPr>
-          <p:cNvPr id="1249810984" name=""/>
-          <p:cNvSpPr/>
-          <p:nvPr/>
-        </p:nvSpPr>
-        <p:spPr bwMode="auto">
-          <a:xfrm flipH="0" flipV="0">
-            <a:off x="7307485" y="6235428"/>
-            <a:ext cx="1460664" cy="366120"/>
-          </a:xfrm>
-          <a:prstGeom prst="roundRect">
-            <a:avLst>
-              <a:gd name="adj" fmla="val 8130"/>
-            </a:avLst>
-          </a:prstGeom>
-          <a:solidFill>
-            <a:srgbClr val="362B42"/>
-          </a:solidFill>
-          <a:ln w="19049" cap="flat" cmpd="sng" algn="ctr">
-            <a:noFill/>
-            <a:prstDash val="solid"/>
-          </a:ln>
-        </p:spPr>
-        <p:style>
-          <a:lnRef idx="2">
-            <a:schemeClr val="accent1">
-              <a:shade val="50000"/>
-            </a:schemeClr>
-          </a:lnRef>
-          <a:fillRef idx="1">
-            <a:schemeClr val="accent1"/>
-          </a:fillRef>
-          <a:effectRef idx="0">
-            <a:schemeClr val="accent1"/>
-          </a:effectRef>
-          <a:fontRef idx="minor">
-            <a:schemeClr val="lt1"/>
-          </a:fontRef>
-        </p:style>
-      </p:sp>
-      <p:sp>
-        <p:nvSpPr>
-          <p:cNvPr id="554929183" name=""/>
-          <p:cNvSpPr txBox="1"/>
-          <p:nvPr/>
-        </p:nvSpPr>
-        <p:spPr bwMode="auto">
-          <a:xfrm flipH="0" flipV="0">
-            <a:off x="7320186" y="3405034"/>
-            <a:ext cx="2126158" cy="640440"/>
-          </a:xfrm>
-          <a:prstGeom prst="rect">
-            <a:avLst/>
-          </a:prstGeom>
-          <a:noFill/>
+          <a:ln/>
         </p:spPr>
         <p:txBody>
           <a:bodyPr vertOverflow="overflow" horzOverflow="overflow" vert="horz" wrap="square" lIns="91440" tIns="45720" rIns="91440" bIns="45720" numCol="1" spcCol="0" rtlCol="0" fromWordArt="0" anchor="t" anchorCtr="0" forceAA="0" upright="0" compatLnSpc="0">
@@ -4558,7 +4153,7 @@
               <a:defRPr/>
             </a:pPr>
             <a:r>
-              <a:rPr sz="1800" b="1">
+              <a:rPr sz="2200" b="1">
                 <a:solidFill>
                   <a:srgbClr val="EA9A97"/>
                 </a:solidFill>
@@ -4568,7 +4163,7 @@
               </a:rPr>
               <a:t>Red &amp; White Meats</a:t>
             </a:r>
-            <a:endParaRPr sz="1800" b="1">
+            <a:endParaRPr sz="2200" b="1">
               <a:solidFill>
                 <a:srgbClr val="EA9A97"/>
               </a:solidFill>
@@ -4586,13 +4181,18 @@
         </p:nvSpPr>
         <p:spPr bwMode="auto">
           <a:xfrm flipH="0" flipV="0">
-            <a:off x="7339527" y="4019278"/>
-            <a:ext cx="1508160" cy="366119"/>
+            <a:off x="7307776" y="4019277"/>
+            <a:ext cx="1880515" cy="473248"/>
           </a:xfrm>
-          <a:prstGeom prst="rect">
-            <a:avLst/>
+          <a:prstGeom prst="roundRect">
+            <a:avLst>
+              <a:gd name="adj" fmla="val 16667"/>
+            </a:avLst>
           </a:prstGeom>
-          <a:noFill/>
+          <a:solidFill>
+            <a:srgbClr val="362B42"/>
+          </a:solidFill>
+          <a:ln/>
         </p:spPr>
         <p:txBody>
           <a:bodyPr vertOverflow="overflow" horzOverflow="overflow" vert="horz" wrap="square" lIns="91440" tIns="45720" rIns="91440" bIns="45720" numCol="1" spcCol="0" rtlCol="0" fromWordArt="0" anchor="t" anchorCtr="0" forceAA="0" upright="0" compatLnSpc="0">
@@ -4603,7 +4203,7 @@
               <a:defRPr/>
             </a:pPr>
             <a:r>
-              <a:rPr sz="1800" b="1">
+              <a:rPr sz="2200" b="1">
                 <a:solidFill>
                   <a:schemeClr val="bg1"/>
                 </a:solidFill>
@@ -4612,7 +4212,7 @@
               </a:rPr>
               <a:t>Eggs &amp; Milk</a:t>
             </a:r>
-            <a:endParaRPr sz="1800" b="1">
+            <a:endParaRPr sz="2200" b="1">
               <a:solidFill>
                 <a:schemeClr val="bg1"/>
               </a:solidFill>
@@ -4630,13 +4230,18 @@
         </p:nvSpPr>
         <p:spPr bwMode="auto">
           <a:xfrm flipH="0" flipV="0">
-            <a:off x="7320186" y="4649483"/>
-            <a:ext cx="1912349" cy="366119"/>
+            <a:off x="7288435" y="4649482"/>
+            <a:ext cx="2192146" cy="473248"/>
           </a:xfrm>
-          <a:prstGeom prst="rect">
-            <a:avLst/>
+          <a:prstGeom prst="roundRect">
+            <a:avLst>
+              <a:gd name="adj" fmla="val 16667"/>
+            </a:avLst>
           </a:prstGeom>
-          <a:noFill/>
+          <a:solidFill>
+            <a:srgbClr val="362B42"/>
+          </a:solidFill>
+          <a:ln/>
         </p:spPr>
         <p:txBody>
           <a:bodyPr vertOverflow="overflow" horzOverflow="overflow" vert="horz" wrap="square" lIns="91440" tIns="45720" rIns="91440" bIns="45720" numCol="1" spcCol="0" rtlCol="0" fromWordArt="0" anchor="t" anchorCtr="0" forceAA="0" upright="0" compatLnSpc="0">
@@ -4647,7 +4252,7 @@
               <a:defRPr/>
             </a:pPr>
             <a:r>
-              <a:rPr sz="1800" b="1">
+              <a:rPr sz="2200" b="1">
                 <a:solidFill>
                   <a:srgbClr val="92D050"/>
                 </a:solidFill>
@@ -4658,7 +4263,7 @@
               <a:t>Legumes </a:t>
             </a:r>
             <a:r>
-              <a:rPr sz="1800" b="1">
+              <a:rPr sz="2200" b="1">
                 <a:solidFill>
                   <a:srgbClr val="92D050"/>
                 </a:solidFill>
@@ -4668,7 +4273,7 @@
               </a:rPr>
               <a:t>&amp; Nuts</a:t>
             </a:r>
-            <a:endParaRPr sz="1800" b="1">
+            <a:endParaRPr sz="2200" b="1">
               <a:solidFill>
                 <a:srgbClr val="92D050"/>
               </a:solidFill>
@@ -4687,13 +4292,18 @@
         </p:nvSpPr>
         <p:spPr bwMode="auto">
           <a:xfrm flipH="0" flipV="0">
-            <a:off x="7307047" y="6258086"/>
-            <a:ext cx="1462182" cy="366119"/>
+            <a:off x="7275296" y="6207124"/>
+            <a:ext cx="1814222" cy="473248"/>
           </a:xfrm>
-          <a:prstGeom prst="rect">
-            <a:avLst/>
+          <a:prstGeom prst="roundRect">
+            <a:avLst>
+              <a:gd name="adj" fmla="val 16667"/>
+            </a:avLst>
           </a:prstGeom>
-          <a:noFill/>
+          <a:solidFill>
+            <a:srgbClr val="362B42"/>
+          </a:solidFill>
+          <a:ln/>
         </p:spPr>
         <p:txBody>
           <a:bodyPr vertOverflow="overflow" horzOverflow="overflow" vert="horz" wrap="square" lIns="91440" tIns="45720" rIns="91440" bIns="45720" numCol="1" spcCol="0" rtlCol="0" fromWordArt="0" anchor="t" anchorCtr="0" forceAA="0" upright="0" compatLnSpc="0">
@@ -4704,7 +4314,7 @@
               <a:defRPr/>
             </a:pPr>
             <a:r>
-              <a:rPr sz="1800" b="1">
+              <a:rPr sz="2200" b="1">
                 <a:solidFill>
                   <a:srgbClr val="7EA30D"/>
                 </a:solidFill>
@@ -4714,7 +4324,7 @@
               </a:rPr>
               <a:t>Whole Foods</a:t>
             </a:r>
-            <a:endParaRPr sz="1800" b="1">
+            <a:endParaRPr sz="2200" b="1">
               <a:solidFill>
                 <a:srgbClr val="7EA30D"/>
               </a:solidFill>
@@ -4733,13 +4343,18 @@
         </p:nvSpPr>
         <p:spPr bwMode="auto">
           <a:xfrm flipH="0" flipV="0">
-            <a:off x="7320186" y="2835003"/>
-            <a:ext cx="1686972" cy="366119"/>
+            <a:off x="7288435" y="2835002"/>
+            <a:ext cx="2191426" cy="473248"/>
           </a:xfrm>
-          <a:prstGeom prst="rect">
-            <a:avLst/>
+          <a:prstGeom prst="roundRect">
+            <a:avLst>
+              <a:gd name="adj" fmla="val 16667"/>
+            </a:avLst>
           </a:prstGeom>
-          <a:noFill/>
+          <a:solidFill>
+            <a:srgbClr val="362B42"/>
+          </a:solidFill>
+          <a:ln/>
         </p:spPr>
         <p:txBody>
           <a:bodyPr vertOverflow="overflow" horzOverflow="overflow" vert="horz" wrap="square" lIns="91440" tIns="45720" rIns="91440" bIns="45720" numCol="1" spcCol="0" rtlCol="0" fromWordArt="0" anchor="t" anchorCtr="0" forceAA="0" upright="0" compatLnSpc="0">
@@ -4750,7 +4365,7 @@
               <a:defRPr/>
             </a:pPr>
             <a:r>
-              <a:rPr sz="1800" b="1">
+              <a:rPr sz="2200" b="1">
                 <a:solidFill>
                   <a:srgbClr val="E99C34"/>
                 </a:solidFill>
@@ -4761,7 +4376,7 @@
               <a:t>Refined </a:t>
             </a:r>
             <a:r>
-              <a:rPr sz="1800" b="1">
+              <a:rPr sz="2200" b="1">
                 <a:solidFill>
                   <a:srgbClr val="E99C34"/>
                 </a:solidFill>
@@ -4771,7 +4386,7 @@
               </a:rPr>
               <a:t>Foods</a:t>
             </a:r>
-            <a:endParaRPr sz="1800" b="1">
+            <a:endParaRPr sz="2200" b="1">
               <a:solidFill>
                 <a:srgbClr val="E99C34"/>
               </a:solidFill>
@@ -4790,8 +4405,8 @@
         </p:nvSpPr>
         <p:spPr bwMode="auto">
           <a:xfrm flipH="0" flipV="0">
-            <a:off x="1327892" y="1926500"/>
-            <a:ext cx="1807150" cy="488039"/>
+            <a:off x="1327891" y="1926499"/>
+            <a:ext cx="1808229" cy="518519"/>
           </a:xfrm>
           <a:prstGeom prst="rect">
             <a:avLst/>
@@ -4807,22 +4422,18 @@
               <a:defRPr/>
             </a:pPr>
             <a:r>
-              <a:rPr sz="2600" b="1">
-                <a:solidFill>
-                  <a:schemeClr val="bg1">
-                    <a:lumMod val="75000"/>
-                  </a:schemeClr>
+              <a:rPr sz="2800" b="0">
+                <a:solidFill>
+                  <a:schemeClr val="bg1"/>
                 </a:solidFill>
                 <a:latin typeface="Agave"/>
                 <a:cs typeface="Agave"/>
               </a:rPr>
               <a:t>Typical</a:t>
             </a:r>
-            <a:endParaRPr sz="2600" b="1">
+            <a:endParaRPr sz="2800" b="0">
               <a:solidFill>
-                <a:schemeClr val="bg1">
-                  <a:lumMod val="75000"/>
-                </a:schemeClr>
+                <a:schemeClr val="bg1"/>
               </a:solidFill>
               <a:latin typeface="Agave"/>
               <a:cs typeface="Agave"/>
@@ -4838,8 +4449,8 @@
         </p:nvSpPr>
         <p:spPr bwMode="auto">
           <a:xfrm flipH="0" flipV="0">
-            <a:off x="3385291" y="1942828"/>
-            <a:ext cx="1811469" cy="488039"/>
+            <a:off x="3385290" y="1942827"/>
+            <a:ext cx="1812548" cy="518519"/>
           </a:xfrm>
           <a:prstGeom prst="rect">
             <a:avLst/>
@@ -4855,22 +4466,18 @@
               <a:defRPr/>
             </a:pPr>
             <a:r>
-              <a:rPr sz="2600" b="1">
-                <a:solidFill>
-                  <a:schemeClr val="bg1">
-                    <a:lumMod val="75000"/>
-                  </a:schemeClr>
+              <a:rPr sz="2800" b="0">
+                <a:solidFill>
+                  <a:schemeClr val="bg1"/>
                 </a:solidFill>
                 <a:latin typeface="Agave"/>
                 <a:cs typeface="Agave"/>
               </a:rPr>
               <a:t>Better</a:t>
             </a:r>
-            <a:endParaRPr sz="2600" b="1">
+            <a:endParaRPr sz="2800" b="0">
               <a:solidFill>
-                <a:schemeClr val="bg1">
-                  <a:lumMod val="75000"/>
-                </a:schemeClr>
+                <a:schemeClr val="bg1"/>
               </a:solidFill>
               <a:latin typeface="Agave"/>
               <a:cs typeface="Agave"/>
@@ -4886,8 +4493,8 @@
         </p:nvSpPr>
         <p:spPr bwMode="auto">
           <a:xfrm flipH="0" flipV="0">
-            <a:off x="5426363" y="1942828"/>
-            <a:ext cx="1809669" cy="488039"/>
+            <a:off x="5426362" y="1942827"/>
+            <a:ext cx="1810748" cy="518519"/>
           </a:xfrm>
           <a:prstGeom prst="rect">
             <a:avLst/>
@@ -4903,22 +4510,18 @@
               <a:defRPr/>
             </a:pPr>
             <a:r>
-              <a:rPr sz="2600" b="1">
-                <a:solidFill>
-                  <a:schemeClr val="bg1">
-                    <a:lumMod val="75000"/>
-                  </a:schemeClr>
+              <a:rPr sz="2800" b="0">
+                <a:solidFill>
+                  <a:schemeClr val="bg1"/>
                 </a:solidFill>
                 <a:latin typeface="Agave"/>
                 <a:cs typeface="Agave"/>
               </a:rPr>
               <a:t>Optimal</a:t>
             </a:r>
-            <a:endParaRPr sz="2600" b="1">
+            <a:endParaRPr sz="2800" b="0">
               <a:solidFill>
-                <a:schemeClr val="bg1">
-                  <a:lumMod val="75000"/>
-                </a:schemeClr>
+                <a:schemeClr val="bg1"/>
               </a:solidFill>
               <a:latin typeface="Agave"/>
               <a:cs typeface="Agave"/>
@@ -4935,7 +4538,7 @@
           <p:nvPr/>
         </p:nvCxnSpPr>
         <p:spPr bwMode="auto">
-          <a:xfrm rot="5399978" flipH="0" flipV="1">
+          <a:xfrm rot="5399977" flipH="0" flipV="1">
             <a:off x="2050770" y="2527162"/>
             <a:ext cx="361316" cy="0"/>
           </a:xfrm>
@@ -4978,7 +4581,7 @@
           <p:nvPr/>
         </p:nvCxnSpPr>
         <p:spPr bwMode="auto">
-          <a:xfrm rot="5399978" flipH="0" flipV="1">
+          <a:xfrm rot="5399977" flipH="0" flipV="1">
             <a:off x="4040135" y="2543490"/>
             <a:ext cx="361315" cy="0"/>
           </a:xfrm>
@@ -5021,7 +4624,7 @@
           <p:nvPr/>
         </p:nvCxnSpPr>
         <p:spPr bwMode="auto">
-          <a:xfrm rot="5399978" flipH="0" flipV="1">
+          <a:xfrm rot="5399977" flipH="0" flipV="1">
             <a:off x="6149163" y="2541963"/>
             <a:ext cx="361315" cy="0"/>
           </a:xfrm>
@@ -5063,8 +4666,8 @@
         </p:nvSpPr>
         <p:spPr bwMode="auto">
           <a:xfrm flipH="0" flipV="0">
-            <a:off x="3442440" y="8327299"/>
-            <a:ext cx="1809308" cy="488039"/>
+            <a:off x="3442439" y="8327298"/>
+            <a:ext cx="1810027" cy="518519"/>
           </a:xfrm>
           <a:prstGeom prst="rect">
             <a:avLst/>
@@ -5080,22 +4683,18 @@
               <a:defRPr/>
             </a:pPr>
             <a:r>
-              <a:rPr sz="2600" b="1">
-                <a:solidFill>
-                  <a:schemeClr val="bg1">
-                    <a:lumMod val="75000"/>
-                  </a:schemeClr>
+              <a:rPr sz="2800" b="1">
+                <a:solidFill>
+                  <a:schemeClr val="bg1"/>
                 </a:solidFill>
                 <a:latin typeface="Agave"/>
                 <a:cs typeface="Agave"/>
               </a:rPr>
               <a:t>6</a:t>
             </a:r>
-            <a:endParaRPr sz="2600" b="1">
+            <a:endParaRPr sz="2800" b="1">
               <a:solidFill>
-                <a:schemeClr val="bg1">
-                  <a:lumMod val="75000"/>
-                </a:schemeClr>
+                <a:schemeClr val="bg1"/>
               </a:solidFill>
               <a:latin typeface="Agave"/>
               <a:cs typeface="Agave"/>
@@ -5111,8 +4710,8 @@
         </p:nvSpPr>
         <p:spPr bwMode="auto">
           <a:xfrm flipH="0" flipV="0">
-            <a:off x="5442690" y="8327299"/>
-            <a:ext cx="1809668" cy="488039"/>
+            <a:off x="5442689" y="8327298"/>
+            <a:ext cx="1810387" cy="518519"/>
           </a:xfrm>
           <a:prstGeom prst="rect">
             <a:avLst/>
@@ -5128,22 +4727,18 @@
               <a:defRPr/>
             </a:pPr>
             <a:r>
-              <a:rPr sz="2600" b="1">
-                <a:solidFill>
-                  <a:schemeClr val="bg1">
-                    <a:lumMod val="75000"/>
-                  </a:schemeClr>
+              <a:rPr sz="2800" b="1">
+                <a:solidFill>
+                  <a:schemeClr val="bg1"/>
                 </a:solidFill>
                 <a:latin typeface="Agave"/>
                 <a:cs typeface="Agave"/>
               </a:rPr>
               <a:t>12</a:t>
             </a:r>
-            <a:endParaRPr sz="2600" b="1">
+            <a:endParaRPr sz="2800" b="1">
               <a:solidFill>
-                <a:schemeClr val="bg1">
-                  <a:lumMod val="75000"/>
-                </a:schemeClr>
+                <a:schemeClr val="bg1"/>
               </a:solidFill>
               <a:latin typeface="Agave"/>
               <a:cs typeface="Agave"/>
@@ -5159,8 +4754,8 @@
         </p:nvSpPr>
         <p:spPr bwMode="auto">
           <a:xfrm flipH="0" flipV="0">
-            <a:off x="1537440" y="8327299"/>
-            <a:ext cx="1809308" cy="488039"/>
+            <a:off x="1537439" y="8327298"/>
+            <a:ext cx="1810027" cy="518519"/>
           </a:xfrm>
           <a:prstGeom prst="rect">
             <a:avLst/>
@@ -5176,22 +4771,18 @@
               <a:defRPr/>
             </a:pPr>
             <a:r>
-              <a:rPr sz="2600" b="1">
-                <a:solidFill>
-                  <a:schemeClr val="bg1">
-                    <a:lumMod val="75000"/>
-                  </a:schemeClr>
+              <a:rPr sz="2800" b="1">
+                <a:solidFill>
+                  <a:schemeClr val="bg1"/>
                 </a:solidFill>
                 <a:latin typeface="Agave"/>
                 <a:cs typeface="Agave"/>
               </a:rPr>
               <a:t>0</a:t>
             </a:r>
-            <a:endParaRPr sz="2600" b="1">
+            <a:endParaRPr sz="2800" b="1">
               <a:solidFill>
-                <a:schemeClr val="bg1">
-                  <a:lumMod val="75000"/>
-                </a:schemeClr>
+                <a:schemeClr val="bg1"/>
               </a:solidFill>
               <a:latin typeface="Agave"/>
               <a:cs typeface="Agave"/>
@@ -5199,6 +4790,182 @@
           </a:p>
         </p:txBody>
       </p:sp>
+      <p:cxnSp>
+        <p:nvCxnSpPr>
+          <p:cNvPr id="472843877" name=""/>
+          <p:cNvCxnSpPr>
+            <a:cxnSpLocks/>
+          </p:cNvCxnSpPr>
+          <p:nvPr/>
+        </p:nvCxnSpPr>
+        <p:spPr bwMode="auto">
+          <a:xfrm flipH="0" flipV="0">
+            <a:off x="1786" y="1520056"/>
+            <a:ext cx="10247581" cy="75540"/>
+          </a:xfrm>
+          <a:prstGeom prst="line">
+            <a:avLst/>
+          </a:prstGeom>
+          <a:ln w="38099" cap="flat" cmpd="sng" algn="ctr">
+            <a:solidFill>
+              <a:schemeClr val="bg1"/>
+            </a:solidFill>
+            <a:prstDash val="solid"/>
+          </a:ln>
+        </p:spPr>
+        <p:style>
+          <a:lnRef idx="1">
+            <a:schemeClr val="accent1">
+              <a:shade val="50000"/>
+            </a:schemeClr>
+          </a:lnRef>
+          <a:fillRef idx="0">
+            <a:schemeClr val="accent1"/>
+          </a:fillRef>
+          <a:effectRef idx="0">
+            <a:schemeClr val="accent1"/>
+          </a:effectRef>
+          <a:fontRef idx="minor">
+            <a:schemeClr val="tx1"/>
+          </a:fontRef>
+        </p:style>
+      </p:cxnSp>
+      <p:sp>
+        <p:nvSpPr>
+          <p:cNvPr id="278085535" name="TextBox 6"/>
+          <p:cNvSpPr txBox="1"/>
+          <p:nvPr/>
+        </p:nvSpPr>
+        <p:spPr bwMode="auto">
+          <a:xfrm rot="0" flipH="0" flipV="0">
+            <a:off x="8875236" y="9443439"/>
+            <a:ext cx="1263578" cy="782552"/>
+          </a:xfrm>
+          <a:prstGeom prst="rect">
+            <a:avLst/>
+          </a:prstGeom>
+        </p:spPr>
+        <p:txBody>
+          <a:bodyPr lIns="0" tIns="0" rIns="0" bIns="0" rtlCol="0" anchor="t">
+            <a:spAutoFit/>
+          </a:bodyPr>
+          <a:lstStyle/>
+          <a:p>
+            <a:pPr algn="ctr">
+              <a:lnSpc>
+                <a:spcPts val="6158"/>
+              </a:lnSpc>
+              <a:defRPr/>
+            </a:pPr>
+            <a:r>
+              <a:rPr lang="en-US" sz="2600" b="0">
+                <a:solidFill>
+                  <a:schemeClr val="bg1"/>
+                </a:solidFill>
+                <a:latin typeface="Agave"/>
+                <a:ea typeface="Agave"/>
+                <a:cs typeface="Agave"/>
+              </a:rPr>
+              <a:t>1/3</a:t>
+            </a:r>
+            <a:endParaRPr sz="2600" b="0">
+              <a:solidFill>
+                <a:schemeClr val="bg1"/>
+              </a:solidFill>
+              <a:latin typeface="Tinos"/>
+              <a:cs typeface="Tinos"/>
+            </a:endParaRPr>
+          </a:p>
+        </p:txBody>
+      </p:sp>
+      <p:sp>
+        <p:nvSpPr>
+          <p:cNvPr id="2086156274" name="TextBox 6"/>
+          <p:cNvSpPr txBox="1"/>
+          <p:nvPr/>
+        </p:nvSpPr>
+        <p:spPr bwMode="auto">
+          <a:xfrm rot="0" flipH="0" flipV="0">
+            <a:off x="173057" y="9377743"/>
+            <a:ext cx="4018584" cy="782172"/>
+          </a:xfrm>
+          <a:prstGeom prst="rect">
+            <a:avLst/>
+          </a:prstGeom>
+        </p:spPr>
+        <p:txBody>
+          <a:bodyPr lIns="0" tIns="0" rIns="0" bIns="0" rtlCol="0" anchor="t">
+            <a:spAutoFit/>
+          </a:bodyPr>
+          <a:lstStyle/>
+          <a:p>
+            <a:pPr algn="ctr">
+              <a:lnSpc>
+                <a:spcPts val="6155"/>
+              </a:lnSpc>
+              <a:defRPr/>
+            </a:pPr>
+            <a:r>
+              <a:rPr lang="en-US" sz="2600" b="0">
+                <a:solidFill>
+                  <a:schemeClr val="bg1"/>
+                </a:solidFill>
+                <a:latin typeface="Agave"/>
+                <a:ea typeface="Agave"/>
+                <a:cs typeface="Agave"/>
+              </a:rPr>
+              <a:t>Counsels on Lifestyle</a:t>
+            </a:r>
+            <a:endParaRPr sz="2600" b="0">
+              <a:solidFill>
+                <a:schemeClr val="bg1"/>
+              </a:solidFill>
+              <a:latin typeface="Tinos"/>
+              <a:cs typeface="Tinos"/>
+            </a:endParaRPr>
+          </a:p>
+        </p:txBody>
+      </p:sp>
+      <p:cxnSp>
+        <p:nvCxnSpPr>
+          <p:cNvPr id="1025804361" name=""/>
+          <p:cNvCxnSpPr>
+            <a:cxnSpLocks/>
+          </p:cNvCxnSpPr>
+          <p:nvPr/>
+        </p:nvCxnSpPr>
+        <p:spPr bwMode="auto">
+          <a:xfrm flipH="0" flipV="0">
+            <a:off x="13611" y="9578863"/>
+            <a:ext cx="10247581" cy="75540"/>
+          </a:xfrm>
+          <a:prstGeom prst="line">
+            <a:avLst/>
+          </a:prstGeom>
+          <a:ln w="38099" cap="flat" cmpd="sng" algn="ctr">
+            <a:solidFill>
+              <a:schemeClr val="bg1"/>
+            </a:solidFill>
+            <a:prstDash val="solid"/>
+          </a:ln>
+        </p:spPr>
+        <p:style>
+          <a:lnRef idx="1">
+            <a:schemeClr val="accent1">
+              <a:shade val="50000"/>
+            </a:schemeClr>
+          </a:lnRef>
+          <a:fillRef idx="0">
+            <a:schemeClr val="accent1"/>
+          </a:fillRef>
+          <a:effectRef idx="0">
+            <a:schemeClr val="accent1"/>
+          </a:effectRef>
+          <a:fontRef idx="minor">
+            <a:schemeClr val="tx1"/>
+          </a:fontRef>
+        </p:style>
+      </p:cxnSp>
     </p:spTree>
   </p:cSld>
   <p:clrMapOvr>
@@ -5221,10 +4988,9 @@
     <p:bg>
       <p:bgPr shadeToTitle="0">
         <a:solidFill>
-          <a:schemeClr val="accent4">
-            <a:lumMod val="50000"/>
+          <a:srgbClr val="362B42">
             <a:alpha val="99999"/>
-          </a:schemeClr>
+          </a:srgbClr>
         </a:solidFill>
       </p:bgPr>
     </p:bg>
@@ -5244,55 +5010,14 @@
       </p:grpSpPr>
       <p:sp>
         <p:nvSpPr>
-          <p:cNvPr id="795127148" name=""/>
-          <p:cNvSpPr/>
-          <p:nvPr/>
-        </p:nvSpPr>
-        <p:spPr bwMode="auto">
-          <a:xfrm flipH="0" flipV="0">
-            <a:off x="581145" y="1619247"/>
-            <a:ext cx="9081798" cy="7938594"/>
-          </a:xfrm>
-          <a:prstGeom prst="roundRect">
-            <a:avLst>
-              <a:gd name="adj" fmla="val 3765"/>
-            </a:avLst>
-          </a:prstGeom>
-          <a:solidFill>
-            <a:srgbClr val="232136"/>
-          </a:solidFill>
-          <a:ln w="25400" cap="flat" cmpd="sng" algn="ctr">
-            <a:noFill/>
-            <a:prstDash val="solid"/>
-          </a:ln>
-        </p:spPr>
-        <p:style>
-          <a:lnRef idx="2">
-            <a:schemeClr val="accent1">
-              <a:shade val="50000"/>
-            </a:schemeClr>
-          </a:lnRef>
-          <a:fillRef idx="1">
-            <a:schemeClr val="accent1"/>
-          </a:fillRef>
-          <a:effectRef idx="0">
-            <a:schemeClr val="accent1"/>
-          </a:effectRef>
-          <a:fontRef idx="minor">
-            <a:schemeClr val="lt1"/>
-          </a:fontRef>
-        </p:style>
-      </p:sp>
-      <p:sp>
-        <p:nvSpPr>
           <p:cNvPr id="1708333852" name=""/>
           <p:cNvSpPr txBox="1"/>
           <p:nvPr/>
         </p:nvSpPr>
         <p:spPr bwMode="auto">
           <a:xfrm flipH="0" flipV="0">
-            <a:off x="780264" y="1609390"/>
-            <a:ext cx="8767951" cy="8351879"/>
+            <a:off x="780264" y="1445165"/>
+            <a:ext cx="8774070" cy="6888839"/>
           </a:xfrm>
           <a:prstGeom prst="rect">
             <a:avLst/>
@@ -5304,23 +5029,11 @@
             <a:spAutoFit/>
           </a:bodyPr>
           <a:p>
-            <a:pPr>
-              <a:defRPr/>
-            </a:pPr>
-            <a:endParaRPr sz="2200" b="0" i="0" u="none" strike="noStrike" cap="none" spc="0">
-              <a:solidFill>
-                <a:schemeClr val="bg1"/>
-              </a:solidFill>
-              <a:latin typeface="Agave"/>
-              <a:cs typeface="Agave"/>
-            </a:endParaRPr>
-          </a:p>
-          <a:p>
             <a:pPr algn="l">
               <a:defRPr/>
             </a:pPr>
             <a:r>
-              <a:rPr lang="en-US" sz="2400" b="0" i="0" u="none" strike="noStrike" cap="none" spc="0">
+              <a:rPr lang="en-US" sz="3600" b="0" i="0" u="none" strike="noStrike" cap="none" spc="0">
                 <a:solidFill>
                   <a:schemeClr val="bg1"/>
                 </a:solidFill>
@@ -5331,7 +5044,7 @@
               <a:t>The </a:t>
             </a:r>
             <a:r>
-              <a:rPr lang="en-US" sz="2400" b="1" i="1" u="none" strike="noStrike" cap="none" spc="0">
+              <a:rPr lang="en-US" sz="3600" b="1" i="1" u="none" strike="noStrike" cap="none" spc="0">
                 <a:solidFill>
                   <a:schemeClr val="bg1"/>
                 </a:solidFill>
@@ -5342,7 +5055,7 @@
               <a:t>Western diet</a:t>
             </a:r>
             <a:r>
-              <a:rPr lang="en-US" sz="2400" b="0" i="0" u="none" strike="noStrike" cap="none" spc="0">
+              <a:rPr lang="en-US" sz="3600" b="0" i="0" u="none" strike="noStrike" cap="none" spc="0">
                 <a:solidFill>
                   <a:schemeClr val="bg1"/>
                 </a:solidFill>
@@ -5353,7 +5066,7 @@
               <a:t> includes </a:t>
             </a:r>
             <a:r>
-              <a:rPr lang="en-US" sz="2400" b="0" i="0" u="none" strike="noStrike" cap="none" spc="0">
+              <a:rPr lang="en-US" sz="3600" b="0" i="0" u="none" strike="noStrike" cap="none" spc="0">
                 <a:solidFill>
                   <a:schemeClr val="bg1"/>
                 </a:solidFill>
@@ -5364,7 +5077,7 @@
               <a:t>high intakes</a:t>
             </a:r>
             <a:r>
-              <a:rPr lang="en-US" sz="2400" b="0" i="0" u="none" strike="noStrike" cap="none" spc="0">
+              <a:rPr lang="en-US" sz="3600" b="0" i="0" u="none" strike="noStrike" cap="none" spc="0">
                 <a:solidFill>
                   <a:schemeClr val="bg1"/>
                 </a:solidFill>
@@ -5375,7 +5088,7 @@
               <a:t> of </a:t>
             </a:r>
             <a:r>
-              <a:rPr lang="en-US" sz="2400" b="1" i="0" u="none" strike="noStrike" cap="none" spc="0">
+              <a:rPr lang="en-US" sz="3600" b="1" i="0" u="none" strike="noStrike" cap="none" spc="0">
                 <a:solidFill>
                   <a:srgbClr val="E99C34"/>
                 </a:solidFill>
@@ -5386,7 +5099,7 @@
               <a:t>pre-packaged foods, refined grain</a:t>
             </a:r>
             <a:r>
-              <a:rPr lang="en-US" sz="2400" b="0" i="0" u="none" strike="noStrike" cap="none" spc="0">
+              <a:rPr lang="en-US" sz="3600" b="0" i="0" u="none" strike="noStrike" cap="none" spc="0">
                 <a:solidFill>
                   <a:srgbClr val="E99C34"/>
                 </a:solidFill>
@@ -5397,7 +5110,7 @@
               <a:t>s</a:t>
             </a:r>
             <a:r>
-              <a:rPr lang="en-US" sz="2400" b="0" i="0" u="none" strike="noStrike" cap="none" spc="0">
+              <a:rPr lang="en-US" sz="3600" b="0" i="0" u="none" strike="noStrike" cap="none" spc="0">
                 <a:solidFill>
                   <a:schemeClr val="bg1"/>
                 </a:solidFill>
@@ -5408,7 +5121,7 @@
               <a:t>, </a:t>
             </a:r>
             <a:r>
-              <a:rPr lang="en-US" sz="2400" b="1" i="0" u="none" strike="noStrike" cap="none" spc="0">
+              <a:rPr lang="en-US" sz="3600" b="1" i="0" u="none" strike="noStrike" cap="none" spc="0">
                 <a:solidFill>
                   <a:srgbClr val="E26F62"/>
                 </a:solidFill>
@@ -5419,7 +5132,7 @@
               <a:t>red meat, processed mea</a:t>
             </a:r>
             <a:r>
-              <a:rPr lang="en-US" sz="2400" b="1" i="0" u="none" strike="noStrike" cap="none" spc="0">
+              <a:rPr lang="en-US" sz="3600" b="1" i="0" u="none" strike="noStrike" cap="none" spc="0">
                 <a:solidFill>
                   <a:srgbClr val="E26F62"/>
                 </a:solidFill>
@@ -5430,7 +5143,7 @@
               <a:t>t</a:t>
             </a:r>
             <a:r>
-              <a:rPr lang="en-US" sz="2400" b="0" i="0" u="none" strike="noStrike" cap="none" spc="0">
+              <a:rPr lang="en-US" sz="3600" b="0" i="0" u="none" strike="noStrike" cap="none" spc="0">
                 <a:solidFill>
                   <a:schemeClr val="bg1"/>
                 </a:solidFill>
@@ -5441,7 +5154,7 @@
               <a:t>, </a:t>
             </a:r>
             <a:r>
-              <a:rPr lang="en-US" sz="2400" b="1" i="0" u="none" strike="noStrike" cap="none" spc="0">
+              <a:rPr lang="en-US" sz="3600" b="1" i="0" u="none" strike="noStrike" cap="none" spc="0">
                 <a:solidFill>
                   <a:srgbClr val="E99C34"/>
                 </a:solidFill>
@@ -5452,7 +5165,7 @@
               <a:t>high-sugar drinks, candy and sweets, fried foods</a:t>
             </a:r>
             <a:r>
-              <a:rPr lang="en-US" sz="2400" b="0" i="0" u="none" strike="noStrike" cap="none" spc="0">
+              <a:rPr lang="en-US" sz="3600" b="0" i="0" u="none" strike="noStrike" cap="none" spc="0">
                 <a:solidFill>
                   <a:schemeClr val="bg1"/>
                 </a:solidFill>
@@ -5463,7 +5176,7 @@
               <a:t>... other </a:t>
             </a:r>
             <a:r>
-              <a:rPr lang="en-US" sz="2400" b="0" i="0" u="none" strike="noStrike" cap="none" spc="0">
+              <a:rPr lang="en-US" sz="3600" b="0" i="0" u="none" strike="noStrike" cap="none" spc="0">
                 <a:solidFill>
                   <a:srgbClr val="E26F62"/>
                 </a:solidFill>
@@ -5474,7 +5187,7 @@
               <a:t>high-fat dairy</a:t>
             </a:r>
             <a:r>
-              <a:rPr lang="en-US" sz="2400" b="0" i="0" u="none" strike="noStrike" cap="none" spc="0">
+              <a:rPr lang="en-US" sz="3600" b="0" i="0" u="none" strike="noStrike" cap="none" spc="0">
                 <a:solidFill>
                   <a:schemeClr val="bg1"/>
                 </a:solidFill>
@@ -5483,6 +5196,230 @@
                 <a:cs typeface="Agave"/>
               </a:rPr>
               <a:t> products, </a:t>
+            </a:r>
+            <a:endParaRPr sz="3600" b="0" i="0" u="none" strike="noStrike" cap="none" spc="0">
+              <a:solidFill>
+                <a:schemeClr val="bg1"/>
+              </a:solidFill>
+              <a:latin typeface="Agave"/>
+              <a:ea typeface="Agave"/>
+              <a:cs typeface="Agave"/>
+            </a:endParaRPr>
+          </a:p>
+          <a:p>
+            <a:pPr algn="l">
+              <a:defRPr/>
+            </a:pPr>
+            <a:endParaRPr sz="3600" b="0" i="0" u="none" strike="noStrike" cap="none" spc="0">
+              <a:solidFill>
+                <a:schemeClr val="bg1"/>
+              </a:solidFill>
+              <a:latin typeface="Agave"/>
+              <a:ea typeface="Agave"/>
+              <a:cs typeface="Agave"/>
+            </a:endParaRPr>
+          </a:p>
+          <a:p>
+            <a:pPr algn="l">
+              <a:defRPr/>
+            </a:pPr>
+            <a:r>
+              <a:rPr lang="en-US" sz="3600" b="0" i="0" u="none" strike="noStrike" cap="none" spc="0">
+                <a:solidFill>
+                  <a:schemeClr val="bg1"/>
+                </a:solidFill>
+                <a:latin typeface="Agave"/>
+                <a:ea typeface="Agave"/>
+                <a:cs typeface="Agave"/>
+              </a:rPr>
+              <a:t>An </a:t>
+            </a:r>
+            <a:r>
+              <a:rPr lang="en-US" sz="3600" b="1" i="1" u="none" strike="noStrike" cap="none" spc="0">
+                <a:solidFill>
+                  <a:schemeClr val="bg1"/>
+                </a:solidFill>
+                <a:latin typeface="Agave"/>
+                <a:ea typeface="Agave"/>
+                <a:cs typeface="Agave"/>
+              </a:rPr>
+              <a:t>optimal diet</a:t>
+            </a:r>
+            <a:r>
+              <a:rPr lang="en-US" sz="3600" b="0" i="0" u="none" strike="noStrike" cap="none" spc="0">
+                <a:solidFill>
+                  <a:schemeClr val="bg1"/>
+                </a:solidFill>
+                <a:latin typeface="Agave"/>
+                <a:ea typeface="Agave"/>
+                <a:cs typeface="Agave"/>
+              </a:rPr>
+              <a:t> had substantially </a:t>
+            </a:r>
+            <a:r>
+              <a:rPr lang="en-US" sz="3600" b="0" i="0" u="none" strike="noStrike" cap="none" spc="0">
+                <a:solidFill>
+                  <a:schemeClr val="bg1"/>
+                </a:solidFill>
+                <a:latin typeface="Agave"/>
+                <a:ea typeface="Agave"/>
+                <a:cs typeface="Agave"/>
+              </a:rPr>
+              <a:t>higher intake</a:t>
+            </a:r>
+            <a:r>
+              <a:rPr lang="en-US" sz="3600" b="0" i="0" u="none" strike="noStrike" cap="none" spc="0">
+                <a:solidFill>
+                  <a:schemeClr val="bg1"/>
+                </a:solidFill>
+                <a:latin typeface="Agave"/>
+                <a:ea typeface="Agave"/>
+                <a:cs typeface="Agave"/>
+              </a:rPr>
+              <a:t> of </a:t>
+            </a:r>
+            <a:r>
+              <a:rPr lang="en-US" sz="3600" b="1" i="0" u="none" strike="noStrike" cap="none" spc="0">
+                <a:solidFill>
+                  <a:srgbClr val="92D050"/>
+                </a:solidFill>
+                <a:latin typeface="Agave"/>
+                <a:ea typeface="Agave"/>
+                <a:cs typeface="Agave"/>
+              </a:rPr>
+              <a:t>whole grains</a:t>
+            </a:r>
+            <a:r>
+              <a:rPr lang="en-US" sz="3600" b="0" i="0" u="none" strike="noStrike" cap="none" spc="0">
+                <a:solidFill>
+                  <a:srgbClr val="92D050"/>
+                </a:solidFill>
+                <a:latin typeface="Agave"/>
+                <a:ea typeface="Agave"/>
+                <a:cs typeface="Agave"/>
+              </a:rPr>
+              <a:t>, </a:t>
+            </a:r>
+            <a:r>
+              <a:rPr lang="en-US" sz="3600" b="1" i="0" u="none" strike="noStrike" cap="none" spc="0">
+                <a:solidFill>
+                  <a:srgbClr val="92D050"/>
+                </a:solidFill>
+                <a:latin typeface="Agave"/>
+                <a:ea typeface="Agave"/>
+                <a:cs typeface="Agave"/>
+              </a:rPr>
+              <a:t>legumes</a:t>
+            </a:r>
+            <a:r>
+              <a:rPr lang="en-US" sz="3600" b="0" i="0" u="none" strike="noStrike" cap="none" spc="0">
+                <a:solidFill>
+                  <a:schemeClr val="bg1"/>
+                </a:solidFill>
+                <a:latin typeface="Agave"/>
+                <a:ea typeface="Agave"/>
+                <a:cs typeface="Agave"/>
+              </a:rPr>
+              <a:t>, </a:t>
+            </a:r>
+            <a:r>
+              <a:rPr lang="en-US" sz="3600" b="1" i="0" u="none" strike="noStrike" cap="none" spc="0">
+                <a:solidFill>
+                  <a:srgbClr val="0070C0"/>
+                </a:solidFill>
+                <a:latin typeface="Agave"/>
+                <a:ea typeface="Agave"/>
+                <a:cs typeface="Agave"/>
+              </a:rPr>
+              <a:t>fish</a:t>
+            </a:r>
+            <a:r>
+              <a:rPr lang="en-US" sz="3600" b="0" i="0" u="none" strike="noStrike" cap="none" spc="0">
+                <a:solidFill>
+                  <a:schemeClr val="bg1"/>
+                </a:solidFill>
+                <a:latin typeface="Agave"/>
+                <a:ea typeface="Agave"/>
+                <a:cs typeface="Agave"/>
+              </a:rPr>
+              <a:t>, </a:t>
+            </a:r>
+            <a:r>
+              <a:rPr lang="en-US" sz="3600" b="1" i="0" u="none" strike="noStrike" cap="none" spc="0">
+                <a:solidFill>
+                  <a:srgbClr val="7EA30D"/>
+                </a:solidFill>
+                <a:latin typeface="Agave"/>
+                <a:ea typeface="Agave"/>
+                <a:cs typeface="Agave"/>
+              </a:rPr>
+              <a:t>fruits</a:t>
+            </a:r>
+            <a:r>
+              <a:rPr lang="en-US" sz="3600" b="0" i="0" u="none" strike="noStrike" cap="none" spc="0">
+                <a:solidFill>
+                  <a:srgbClr val="7EA30D"/>
+                </a:solidFill>
+                <a:latin typeface="Agave"/>
+                <a:ea typeface="Agave"/>
+                <a:cs typeface="Agave"/>
+              </a:rPr>
+              <a:t>, </a:t>
+            </a:r>
+            <a:r>
+              <a:rPr lang="en-US" sz="3600" b="1" i="0" u="none" strike="noStrike" cap="none" spc="0">
+                <a:solidFill>
+                  <a:srgbClr val="7EA30D"/>
+                </a:solidFill>
+                <a:latin typeface="Agave"/>
+                <a:ea typeface="Agave"/>
+                <a:cs typeface="Agave"/>
+              </a:rPr>
+              <a:t>vegetables</a:t>
+            </a:r>
+            <a:r>
+              <a:rPr lang="en-US" sz="3600" b="0" i="0" u="none" strike="noStrike" cap="none" spc="0">
+                <a:solidFill>
+                  <a:schemeClr val="bg1"/>
+                </a:solidFill>
+                <a:latin typeface="Agave"/>
+                <a:ea typeface="Agave"/>
+                <a:cs typeface="Agave"/>
+              </a:rPr>
+              <a:t>, and included a </a:t>
+            </a:r>
+            <a:r>
+              <a:rPr lang="en-US" sz="3600" b="1" i="0" u="none" strike="noStrike" cap="none" spc="0">
+                <a:solidFill>
+                  <a:srgbClr val="92D050"/>
+                </a:solidFill>
+                <a:latin typeface="Agave"/>
+                <a:ea typeface="Agave"/>
+                <a:cs typeface="Agave"/>
+              </a:rPr>
+              <a:t>handful of</a:t>
+            </a:r>
+            <a:r>
+              <a:rPr lang="en-US" sz="3600" b="1" i="0" u="none" strike="noStrike" cap="none" spc="0">
+                <a:solidFill>
+                  <a:schemeClr val="bg1"/>
+                </a:solidFill>
+                <a:latin typeface="Agave"/>
+                <a:ea typeface="Agave"/>
+                <a:cs typeface="Agave"/>
+              </a:rPr>
+              <a:t> </a:t>
+            </a:r>
+            <a:r>
+              <a:rPr lang="en-US" sz="3600" b="1" i="0" u="none" strike="noStrike" cap="none" spc="0">
+                <a:solidFill>
+                  <a:srgbClr val="7EA30D"/>
+                </a:solidFill>
+                <a:latin typeface="Agave"/>
+                <a:ea typeface="Agave"/>
+                <a:cs typeface="Agave"/>
+              </a:rPr>
+              <a:t>nuts</a:t>
             </a:r>
             <a:endParaRPr sz="2400" b="0" i="0" u="none" strike="noStrike" cap="none" spc="0">
               <a:solidFill>
@@ -5494,468 +5431,6 @@
             </a:endParaRPr>
           </a:p>
           <a:p>
-            <a:pPr algn="l">
-              <a:defRPr/>
-            </a:pPr>
-            <a:endParaRPr sz="2400" b="0" i="0" u="none" strike="noStrike" cap="none" spc="0">
-              <a:solidFill>
-                <a:schemeClr val="bg1"/>
-              </a:solidFill>
-              <a:latin typeface="Agave"/>
-              <a:ea typeface="Agave"/>
-              <a:cs typeface="Agave"/>
-            </a:endParaRPr>
-          </a:p>
-          <a:p>
-            <a:pPr algn="l">
-              <a:defRPr/>
-            </a:pPr>
-            <a:r>
-              <a:rPr lang="en-US" sz="2400" b="0" i="0" u="none" strike="noStrike" cap="none" spc="0">
-                <a:solidFill>
-                  <a:schemeClr val="bg1"/>
-                </a:solidFill>
-                <a:latin typeface="Agave"/>
-                <a:ea typeface="Agave"/>
-                <a:cs typeface="Agave"/>
-              </a:rPr>
-              <a:t>An </a:t>
-            </a:r>
-            <a:r>
-              <a:rPr lang="en-US" sz="2400" b="1" i="1" u="none" strike="noStrike" cap="none" spc="0">
-                <a:solidFill>
-                  <a:schemeClr val="bg1"/>
-                </a:solidFill>
-                <a:latin typeface="Agave"/>
-                <a:ea typeface="Agave"/>
-                <a:cs typeface="Agave"/>
-              </a:rPr>
-              <a:t>optimal diet</a:t>
-            </a:r>
-            <a:r>
-              <a:rPr lang="en-US" sz="2400" b="0" i="0" u="none" strike="noStrike" cap="none" spc="0">
-                <a:solidFill>
-                  <a:schemeClr val="bg1"/>
-                </a:solidFill>
-                <a:latin typeface="Agave"/>
-                <a:ea typeface="Agave"/>
-                <a:cs typeface="Agave"/>
-              </a:rPr>
-              <a:t> had substantially </a:t>
-            </a:r>
-            <a:r>
-              <a:rPr lang="en-US" sz="2400" b="0" i="0" u="none" strike="noStrike" cap="none" spc="0">
-                <a:solidFill>
-                  <a:schemeClr val="bg1"/>
-                </a:solidFill>
-                <a:latin typeface="Agave"/>
-                <a:ea typeface="Agave"/>
-                <a:cs typeface="Agave"/>
-              </a:rPr>
-              <a:t>higher intake</a:t>
-            </a:r>
-            <a:r>
-              <a:rPr lang="en-US" sz="2400" b="0" i="0" u="none" strike="noStrike" cap="none" spc="0">
-                <a:solidFill>
-                  <a:schemeClr val="bg1"/>
-                </a:solidFill>
-                <a:latin typeface="Agave"/>
-                <a:ea typeface="Agave"/>
-                <a:cs typeface="Agave"/>
-              </a:rPr>
-              <a:t> of </a:t>
-            </a:r>
-            <a:r>
-              <a:rPr lang="en-US" sz="2400" b="1" i="0" u="none" strike="noStrike" cap="none" spc="0">
-                <a:solidFill>
-                  <a:srgbClr val="92D050"/>
-                </a:solidFill>
-                <a:latin typeface="Agave"/>
-                <a:ea typeface="Agave"/>
-                <a:cs typeface="Agave"/>
-              </a:rPr>
-              <a:t>whole grains</a:t>
-            </a:r>
-            <a:r>
-              <a:rPr lang="en-US" sz="2400" b="0" i="0" u="none" strike="noStrike" cap="none" spc="0">
-                <a:solidFill>
-                  <a:srgbClr val="92D050"/>
-                </a:solidFill>
-                <a:latin typeface="Agave"/>
-                <a:ea typeface="Agave"/>
-                <a:cs typeface="Agave"/>
-              </a:rPr>
-              <a:t>, </a:t>
-            </a:r>
-            <a:r>
-              <a:rPr lang="en-US" sz="2400" b="1" i="0" u="none" strike="noStrike" cap="none" spc="0">
-                <a:solidFill>
-                  <a:srgbClr val="92D050"/>
-                </a:solidFill>
-                <a:latin typeface="Agave"/>
-                <a:ea typeface="Agave"/>
-                <a:cs typeface="Agave"/>
-              </a:rPr>
-              <a:t>legumes</a:t>
-            </a:r>
-            <a:r>
-              <a:rPr lang="en-US" sz="2400" b="0" i="0" u="none" strike="noStrike" cap="none" spc="0">
-                <a:solidFill>
-                  <a:schemeClr val="bg1"/>
-                </a:solidFill>
-                <a:latin typeface="Agave"/>
-                <a:ea typeface="Agave"/>
-                <a:cs typeface="Agave"/>
-              </a:rPr>
-              <a:t>, </a:t>
-            </a:r>
-            <a:r>
-              <a:rPr lang="en-US" sz="2400" b="1" i="0" u="none" strike="noStrike" cap="none" spc="0">
-                <a:solidFill>
-                  <a:srgbClr val="0070C0"/>
-                </a:solidFill>
-                <a:latin typeface="Agave"/>
-                <a:ea typeface="Agave"/>
-                <a:cs typeface="Agave"/>
-              </a:rPr>
-              <a:t>fish</a:t>
-            </a:r>
-            <a:r>
-              <a:rPr lang="en-US" sz="2400" b="0" i="0" u="none" strike="noStrike" cap="none" spc="0">
-                <a:solidFill>
-                  <a:schemeClr val="bg1"/>
-                </a:solidFill>
-                <a:latin typeface="Agave"/>
-                <a:ea typeface="Agave"/>
-                <a:cs typeface="Agave"/>
-              </a:rPr>
-              <a:t>, </a:t>
-            </a:r>
-            <a:r>
-              <a:rPr lang="en-US" sz="2400" b="1" i="0" u="none" strike="noStrike" cap="none" spc="0">
-                <a:solidFill>
-                  <a:srgbClr val="7EA30D"/>
-                </a:solidFill>
-                <a:latin typeface="Agave"/>
-                <a:ea typeface="Agave"/>
-                <a:cs typeface="Agave"/>
-              </a:rPr>
-              <a:t>fruits</a:t>
-            </a:r>
-            <a:r>
-              <a:rPr lang="en-US" sz="2400" b="0" i="0" u="none" strike="noStrike" cap="none" spc="0">
-                <a:solidFill>
-                  <a:srgbClr val="7EA30D"/>
-                </a:solidFill>
-                <a:latin typeface="Agave"/>
-                <a:ea typeface="Agave"/>
-                <a:cs typeface="Agave"/>
-              </a:rPr>
-              <a:t>, </a:t>
-            </a:r>
-            <a:r>
-              <a:rPr lang="en-US" sz="2400" b="1" i="0" u="none" strike="noStrike" cap="none" spc="0">
-                <a:solidFill>
-                  <a:srgbClr val="7EA30D"/>
-                </a:solidFill>
-                <a:latin typeface="Agave"/>
-                <a:ea typeface="Agave"/>
-                <a:cs typeface="Agave"/>
-              </a:rPr>
-              <a:t>vegetables</a:t>
-            </a:r>
-            <a:r>
-              <a:rPr lang="en-US" sz="2400" b="0" i="0" u="none" strike="noStrike" cap="none" spc="0">
-                <a:solidFill>
-                  <a:schemeClr val="bg1"/>
-                </a:solidFill>
-                <a:latin typeface="Agave"/>
-                <a:ea typeface="Agave"/>
-                <a:cs typeface="Agave"/>
-              </a:rPr>
-              <a:t>, and included a </a:t>
-            </a:r>
-            <a:r>
-              <a:rPr lang="en-US" sz="2400" b="1" i="0" u="none" strike="noStrike" cap="none" spc="0">
-                <a:solidFill>
-                  <a:srgbClr val="92D050"/>
-                </a:solidFill>
-                <a:latin typeface="Agave"/>
-                <a:ea typeface="Agave"/>
-                <a:cs typeface="Agave"/>
-              </a:rPr>
-              <a:t>handful of</a:t>
-            </a:r>
-            <a:r>
-              <a:rPr lang="en-US" sz="2400" b="1" i="0" u="none" strike="noStrike" cap="none" spc="0">
-                <a:solidFill>
-                  <a:schemeClr val="bg1"/>
-                </a:solidFill>
-                <a:latin typeface="Agave"/>
-                <a:ea typeface="Agave"/>
-                <a:cs typeface="Agave"/>
-              </a:rPr>
-              <a:t> </a:t>
-            </a:r>
-            <a:r>
-              <a:rPr lang="en-US" sz="2400" b="1" i="0" u="none" strike="noStrike" cap="none" spc="0">
-                <a:solidFill>
-                  <a:srgbClr val="7EA30D"/>
-                </a:solidFill>
-                <a:latin typeface="Agave"/>
-                <a:ea typeface="Agave"/>
-                <a:cs typeface="Agave"/>
-              </a:rPr>
-              <a:t>nuts</a:t>
-            </a:r>
-            <a:r>
-              <a:rPr lang="en-US" sz="2400" b="0" i="0" u="none" strike="noStrike" cap="none" spc="0">
-                <a:solidFill>
-                  <a:schemeClr val="bg1"/>
-                </a:solidFill>
-                <a:latin typeface="Agave"/>
-                <a:ea typeface="Agave"/>
-                <a:cs typeface="Agave"/>
-              </a:rPr>
-              <a:t>, while </a:t>
-            </a:r>
-            <a:r>
-              <a:rPr lang="en-US" sz="2400" b="0" i="0" u="none" strike="noStrike" cap="none" spc="0">
-                <a:solidFill>
-                  <a:srgbClr val="FFC000"/>
-                </a:solidFill>
-                <a:latin typeface="Agave"/>
-                <a:ea typeface="Agave"/>
-                <a:cs typeface="Agave"/>
-              </a:rPr>
-              <a:t>reducing</a:t>
-            </a:r>
-            <a:r>
-              <a:rPr lang="en-US" sz="2400" b="0" i="0" u="none" strike="noStrike" cap="none" spc="0">
-                <a:solidFill>
-                  <a:srgbClr val="FFC000"/>
-                </a:solidFill>
-                <a:latin typeface="Agave"/>
-                <a:ea typeface="Agave"/>
-                <a:cs typeface="Agave"/>
-              </a:rPr>
-              <a:t> </a:t>
-            </a:r>
-            <a:r>
-              <a:rPr lang="en-US" sz="2400" b="0" i="0" u="none" strike="noStrike" cap="none" spc="0">
-                <a:solidFill>
-                  <a:srgbClr val="E26F62"/>
-                </a:solidFill>
-                <a:latin typeface="Agave"/>
-                <a:ea typeface="Agave"/>
-                <a:cs typeface="Agave"/>
-              </a:rPr>
-              <a:t>red </a:t>
-            </a:r>
-            <a:r>
-              <a:rPr lang="en-US" sz="2400" b="0" i="0" u="none" strike="noStrike" cap="none" spc="0">
-                <a:solidFill>
-                  <a:srgbClr val="E26F62"/>
-                </a:solidFill>
-                <a:latin typeface="Agave"/>
-                <a:ea typeface="Agave"/>
-                <a:cs typeface="Agave"/>
-              </a:rPr>
-              <a:t>and </a:t>
-            </a:r>
-            <a:r>
-              <a:rPr lang="en-US" sz="2400" b="0" i="0" u="none" strike="noStrike" cap="none" spc="0">
-                <a:solidFill>
-                  <a:srgbClr val="E26F62"/>
-                </a:solidFill>
-                <a:latin typeface="Agave"/>
-                <a:ea typeface="Agave"/>
-                <a:cs typeface="Agave"/>
-              </a:rPr>
-              <a:t>processed meats</a:t>
-            </a:r>
-            <a:r>
-              <a:rPr lang="en-US" sz="2400" b="0" i="0" u="none" strike="noStrike" cap="none" spc="0">
-                <a:solidFill>
-                  <a:srgbClr val="FFC000"/>
-                </a:solidFill>
-                <a:latin typeface="Agave"/>
-                <a:ea typeface="Agave"/>
-                <a:cs typeface="Agave"/>
-              </a:rPr>
-              <a:t>, sugar-sweetened beverages, </a:t>
-            </a:r>
-            <a:r>
-              <a:rPr lang="en-US" sz="2400" b="0" i="0" u="none" strike="noStrike" cap="none" spc="0">
-                <a:solidFill>
-                  <a:schemeClr val="bg1"/>
-                </a:solidFill>
-                <a:latin typeface="Agave"/>
-                <a:ea typeface="Agave"/>
-                <a:cs typeface="Agave"/>
-              </a:rPr>
-              <a:t>and </a:t>
-            </a:r>
-            <a:r>
-              <a:rPr lang="en-US" sz="2400" b="0" i="0" u="none" strike="noStrike" cap="none" spc="0">
-                <a:solidFill>
-                  <a:srgbClr val="FFC000"/>
-                </a:solidFill>
-                <a:latin typeface="Agave"/>
-                <a:ea typeface="Agave"/>
-                <a:cs typeface="Agave"/>
-              </a:rPr>
-              <a:t>refined grains</a:t>
-            </a:r>
-            <a:r>
-              <a:rPr lang="en-US" sz="2400" b="0" i="0" u="none" strike="noStrike" cap="none" spc="0">
-                <a:solidFill>
-                  <a:schemeClr val="bg1"/>
-                </a:solidFill>
-                <a:latin typeface="Agave"/>
-                <a:ea typeface="Agave"/>
-                <a:cs typeface="Agave"/>
-              </a:rPr>
-              <a:t>. </a:t>
-            </a:r>
-            <a:endParaRPr sz="2400" b="0" i="0" u="none" strike="noStrike" cap="none" spc="0">
-              <a:solidFill>
-                <a:schemeClr val="bg1"/>
-              </a:solidFill>
-              <a:latin typeface="Agave"/>
-              <a:ea typeface="Agave"/>
-              <a:cs typeface="Agave"/>
-            </a:endParaRPr>
-          </a:p>
-          <a:p>
-            <a:pPr algn="l">
-              <a:defRPr/>
-            </a:pPr>
-            <a:endParaRPr sz="2400">
-              <a:solidFill>
-                <a:schemeClr val="bg1"/>
-              </a:solidFill>
-              <a:latin typeface="Agave"/>
-              <a:cs typeface="Agave"/>
-            </a:endParaRPr>
-          </a:p>
-          <a:p>
-            <a:pPr>
-              <a:defRPr/>
-            </a:pPr>
-            <a:r>
-              <a:rPr lang="en-US" sz="2400" b="0" i="0" u="none" strike="noStrike" cap="none" spc="0">
-                <a:solidFill>
-                  <a:schemeClr val="bg1"/>
-                </a:solidFill>
-                <a:latin typeface="Agave"/>
-                <a:ea typeface="Agave"/>
-                <a:cs typeface="Agave"/>
-              </a:rPr>
-              <a:t>Change from a typical Western diet to the optimal diet from age 20 years would </a:t>
-            </a:r>
-            <a:r>
-              <a:rPr lang="en-US" sz="2400" b="0" i="0" u="none" strike="noStrike" cap="none" spc="0">
-                <a:solidFill>
-                  <a:srgbClr val="92D050"/>
-                </a:solidFill>
-                <a:latin typeface="Agave"/>
-                <a:ea typeface="Agave"/>
-                <a:cs typeface="Agave"/>
-              </a:rPr>
-              <a:t>increase LE by more than a decade</a:t>
-            </a:r>
-            <a:r>
-              <a:rPr lang="en-US" sz="2400" b="0" i="0" u="none" strike="noStrike" cap="none" spc="0">
-                <a:solidFill>
-                  <a:schemeClr val="bg1"/>
-                </a:solidFill>
-                <a:latin typeface="Agave"/>
-                <a:ea typeface="Agave"/>
-                <a:cs typeface="Agave"/>
-              </a:rPr>
-              <a:t> for women and men from the United States. </a:t>
-            </a:r>
-            <a:r>
-              <a:rPr lang="en-US" sz="2400" b="0" i="0" u="none" strike="noStrike" cap="none" spc="0">
-                <a:solidFill>
-                  <a:srgbClr val="00B0F0"/>
-                </a:solidFill>
-                <a:latin typeface="Agave"/>
-                <a:ea typeface="Agave"/>
-                <a:cs typeface="Agave"/>
-              </a:rPr>
-              <a:t>Gains are predicted to be larger the earlier the dietary changes are initiated in life</a:t>
-            </a:r>
-            <a:r>
-              <a:rPr lang="en-US" sz="2400" b="0" i="0" u="none" strike="noStrike" cap="none" spc="0">
-                <a:solidFill>
-                  <a:schemeClr val="bg1"/>
-                </a:solidFill>
-                <a:latin typeface="Agave"/>
-                <a:ea typeface="Agave"/>
-                <a:cs typeface="Agave"/>
-              </a:rPr>
-              <a:t>.</a:t>
-            </a:r>
-            <a:endParaRPr sz="2200" b="0" i="0" u="none" strike="noStrike" cap="none" spc="0">
-              <a:solidFill>
-                <a:schemeClr val="bg1"/>
-              </a:solidFill>
-              <a:latin typeface="Agave"/>
-              <a:ea typeface="Agave"/>
-              <a:cs typeface="Agave"/>
-            </a:endParaRPr>
-          </a:p>
-          <a:p>
-            <a:pPr>
-              <a:defRPr/>
-            </a:pPr>
-            <a:endParaRPr sz="2200" b="0" i="0" u="none" strike="noStrike" cap="none" spc="0">
-              <a:solidFill>
-                <a:schemeClr val="bg1"/>
-              </a:solidFill>
-              <a:latin typeface="Agave"/>
-              <a:ea typeface="Agave"/>
-              <a:cs typeface="Agave"/>
-            </a:endParaRPr>
-          </a:p>
-          <a:p>
-            <a:pPr>
-              <a:defRPr/>
-            </a:pPr>
-            <a:r>
-              <a:rPr lang="en-US" sz="2400" b="1" i="0" u="none" strike="noStrike" cap="none" spc="0">
-                <a:solidFill>
-                  <a:srgbClr val="FFC000"/>
-                </a:solidFill>
-                <a:latin typeface="Agave"/>
-                <a:ea typeface="Agave"/>
-                <a:cs typeface="Agave"/>
-              </a:rPr>
-              <a:t>What does my current diet look like or the foods I’m giving my family? Is our diet</a:t>
-            </a:r>
-            <a:r>
-              <a:rPr lang="en-US" sz="2400" b="1" i="0" u="none" strike="noStrike" cap="none" spc="0">
-                <a:solidFill>
-                  <a:srgbClr val="FFC000"/>
-                </a:solidFill>
-                <a:latin typeface="Agave"/>
-                <a:ea typeface="Agave"/>
-                <a:cs typeface="Agave"/>
-              </a:rPr>
-              <a:t> helping to increase our lifespan? If not, what changes could we make?</a:t>
-            </a:r>
-            <a:endParaRPr lang="en-US" sz="2400" b="1" i="0" u="none" strike="noStrike" cap="none" spc="0">
-              <a:solidFill>
-                <a:srgbClr val="FFC000"/>
-              </a:solidFill>
-              <a:latin typeface="Agave"/>
-              <a:ea typeface="Agave"/>
-              <a:cs typeface="Agave"/>
-            </a:endParaRPr>
-          </a:p>
-          <a:p>
             <a:pPr>
               <a:defRPr/>
             </a:pPr>
@@ -5971,127 +5446,24 @@
             <a:pPr>
               <a:defRPr/>
             </a:pPr>
-            <a:endParaRPr sz="2200" b="0" i="0" u="none" strike="noStrike" cap="none" spc="0">
+            <a:r>
+              <a:rPr lang="en-US" sz="2800" b="0" i="1" u="none" strike="noStrike" cap="none" spc="0">
+                <a:solidFill>
+                  <a:schemeClr val="bg1"/>
+                </a:solidFill>
+                <a:latin typeface="Agave"/>
+                <a:ea typeface="Agave"/>
+                <a:cs typeface="Agave"/>
+              </a:rPr>
+              <a:t>Fadnes, Lars T et al. PLoS Med 2022 Feb 8; 19(2)</a:t>
+            </a:r>
+            <a:endParaRPr sz="2800" b="0" i="1" u="none" strike="noStrike" cap="none" spc="0">
               <a:solidFill>
                 <a:schemeClr val="bg1"/>
               </a:solidFill>
               <a:latin typeface="Agave"/>
               <a:cs typeface="Agave"/>
             </a:endParaRPr>
-          </a:p>
-          <a:p>
-            <a:pPr>
-              <a:defRPr/>
-            </a:pPr>
-            <a:endParaRPr sz="2200" b="0" i="0" u="none" strike="noStrike" cap="none" spc="0">
-              <a:solidFill>
-                <a:schemeClr val="bg1"/>
-              </a:solidFill>
-              <a:latin typeface="Agave"/>
-              <a:cs typeface="Agave"/>
-            </a:endParaRPr>
-          </a:p>
-        </p:txBody>
-      </p:sp>
-      <p:sp>
-        <p:nvSpPr>
-          <p:cNvPr id="1123120435" name="TextBox 6"/>
-          <p:cNvSpPr txBox="1"/>
-          <p:nvPr/>
-        </p:nvSpPr>
-        <p:spPr bwMode="auto">
-          <a:xfrm rot="0" flipH="0" flipV="0">
-            <a:off x="8768151" y="9279214"/>
-            <a:ext cx="1262859" cy="782552"/>
-          </a:xfrm>
-          <a:prstGeom prst="rect">
-            <a:avLst/>
-          </a:prstGeom>
-        </p:spPr>
-        <p:txBody>
-          <a:bodyPr lIns="0" tIns="0" rIns="0" bIns="0" rtlCol="0" anchor="t">
-            <a:spAutoFit/>
-          </a:bodyPr>
-          <a:lstStyle/>
-          <a:p>
-            <a:pPr algn="ctr">
-              <a:lnSpc>
-                <a:spcPts val="6158"/>
-              </a:lnSpc>
-              <a:defRPr/>
-            </a:pPr>
-            <a:r>
-              <a:rPr lang="en-US" sz="2600" b="0">
-                <a:solidFill>
-                  <a:schemeClr val="bg1"/>
-                </a:solidFill>
-                <a:latin typeface="Agave"/>
-                <a:ea typeface="Agave"/>
-                <a:cs typeface="Agave"/>
-              </a:rPr>
-              <a:t>2/3</a:t>
-            </a:r>
-            <a:endParaRPr sz="2600" b="0">
-              <a:solidFill>
-                <a:schemeClr val="bg1"/>
-              </a:solidFill>
-              <a:latin typeface="Tinos"/>
-              <a:cs typeface="Tinos"/>
-            </a:endParaRPr>
-          </a:p>
-        </p:txBody>
-      </p:sp>
-      <p:sp>
-        <p:nvSpPr>
-          <p:cNvPr id="1379895495" name="TextBox 6"/>
-          <p:cNvSpPr txBox="1"/>
-          <p:nvPr/>
-        </p:nvSpPr>
-        <p:spPr bwMode="auto">
-          <a:xfrm rot="0" flipH="0" flipV="0">
-            <a:off x="501507" y="9279211"/>
-            <a:ext cx="4009586" cy="1056618"/>
-          </a:xfrm>
-          <a:prstGeom prst="rect">
-            <a:avLst/>
-          </a:prstGeom>
-        </p:spPr>
-        <p:txBody>
-          <a:bodyPr lIns="0" tIns="0" rIns="0" bIns="0" rtlCol="0" anchor="t">
-            <a:spAutoFit/>
-          </a:bodyPr>
-          <a:lstStyle/>
-          <a:p>
-            <a:pPr algn="ctr">
-              <a:lnSpc>
-                <a:spcPts val="6156"/>
-              </a:lnSpc>
-              <a:defRPr/>
-            </a:pPr>
-            <a:r>
-              <a:rPr lang="en-US" sz="2600" b="0" i="0" u="none" strike="noStrike" cap="none" spc="0">
-                <a:solidFill>
-                  <a:schemeClr val="bg1"/>
-                </a:solidFill>
-                <a:latin typeface="Agave"/>
-                <a:ea typeface="Agave"/>
-                <a:cs typeface="Agave"/>
-              </a:rPr>
-              <a:t>Counsels on Lifestyle</a:t>
-            </a:r>
-            <a:endParaRPr sz="2600" b="0">
-              <a:solidFill>
-                <a:schemeClr val="bg1"/>
-              </a:solidFill>
-              <a:latin typeface="Tinos"/>
-              <a:cs typeface="Tinos"/>
-            </a:endParaRPr>
-          </a:p>
-          <a:p>
-            <a:pPr>
-              <a:defRPr/>
-            </a:pPr>
-            <a:endParaRPr/>
           </a:p>
         </p:txBody>
       </p:sp>
@@ -6145,14 +5517,14 @@
       </p:sp>
       <p:sp>
         <p:nvSpPr>
-          <p:cNvPr id="1717350405" name="TextBox 6"/>
+          <p:cNvPr id="1484910035" name="TextBox 6"/>
           <p:cNvSpPr txBox="1"/>
           <p:nvPr/>
         </p:nvSpPr>
         <p:spPr bwMode="auto">
           <a:xfrm rot="0" flipH="0" flipV="0">
-            <a:off x="-80784" y="1091785"/>
-            <a:ext cx="10589537" cy="335639"/>
+            <a:off x="8875236" y="9443439"/>
+            <a:ext cx="1264298" cy="782552"/>
           </a:xfrm>
           <a:prstGeom prst="rect">
             <a:avLst/>
@@ -6165,98 +5537,23 @@
           <a:lstStyle/>
           <a:p>
             <a:pPr algn="ctr">
-              <a:defRPr/>
-            </a:pPr>
-            <a:r>
-              <a:rPr lang="en-US" sz="2200" b="0" i="0" u="none" strike="noStrike" cap="none" spc="0">
-                <a:solidFill>
-                  <a:schemeClr val="bg1">
-                    <a:lumMod val="75000"/>
-                  </a:schemeClr>
+              <a:lnSpc>
+                <a:spcPts val="6158"/>
+              </a:lnSpc>
+              <a:defRPr/>
+            </a:pPr>
+            <a:r>
+              <a:rPr lang="en-US" sz="2600" b="0">
+                <a:solidFill>
+                  <a:schemeClr val="bg1"/>
                 </a:solidFill>
                 <a:latin typeface="Agave"/>
                 <a:ea typeface="Agave"/>
                 <a:cs typeface="Agave"/>
               </a:rPr>
-              <a:t>Fadnes, Lars T et al. </a:t>
-            </a:r>
-            <a:r>
-              <a:rPr lang="en-US" sz="2200" b="0" i="0" u="none" strike="noStrike" cap="none" spc="0">
-                <a:solidFill>
-                  <a:schemeClr val="bg1">
-                    <a:lumMod val="75000"/>
-                  </a:schemeClr>
-                </a:solidFill>
-                <a:latin typeface="Agave"/>
-                <a:ea typeface="Agave"/>
-                <a:cs typeface="Agave"/>
-              </a:rPr>
-              <a:t>PLoS Med</a:t>
-            </a:r>
-            <a:r>
-              <a:rPr lang="en-US" sz="2200" b="0" i="0" u="none" strike="noStrike" cap="none" spc="0">
-                <a:solidFill>
-                  <a:schemeClr val="bg1">
-                    <a:lumMod val="75000"/>
-                  </a:schemeClr>
-                </a:solidFill>
-                <a:latin typeface="Agave"/>
-                <a:ea typeface="Agave"/>
-                <a:cs typeface="Agave"/>
-              </a:rPr>
-              <a:t> 2022 Feb 8; 19(2)</a:t>
-            </a:r>
-            <a:endParaRPr lang="en-US" sz="2200" b="0" i="0" u="none" strike="noStrike" cap="none" spc="0">
-              <a:solidFill>
-                <a:schemeClr val="bg1">
-                  <a:lumMod val="75000"/>
-                </a:schemeClr>
-              </a:solidFill>
-              <a:latin typeface="Agave"/>
-              <a:cs typeface="Agave"/>
-            </a:endParaRPr>
-          </a:p>
-        </p:txBody>
-      </p:sp>
-      <p:sp>
-        <p:nvSpPr>
-          <p:cNvPr id="259468439" name="TextBox 6"/>
-          <p:cNvSpPr txBox="1"/>
-          <p:nvPr/>
-        </p:nvSpPr>
-        <p:spPr bwMode="auto">
-          <a:xfrm rot="0" flipH="0" flipV="0">
-            <a:off x="-291593" y="163459"/>
-            <a:ext cx="11098638" cy="782298"/>
-          </a:xfrm>
-          <a:prstGeom prst="rect">
-            <a:avLst/>
-          </a:prstGeom>
-        </p:spPr>
-        <p:txBody>
-          <a:bodyPr lIns="0" tIns="0" rIns="0" bIns="0" rtlCol="0" anchor="t">
-            <a:spAutoFit/>
-          </a:bodyPr>
-          <a:lstStyle/>
-          <a:p>
-            <a:pPr algn="ctr">
-              <a:lnSpc>
-                <a:spcPts val="6156"/>
-              </a:lnSpc>
-              <a:defRPr/>
-            </a:pPr>
-            <a:r>
-              <a:rPr lang="en-US" sz="2800" b="0">
-                <a:solidFill>
-                  <a:schemeClr val="bg1"/>
-                </a:solidFill>
-                <a:latin typeface="Agave"/>
-                <a:ea typeface="Agave"/>
-                <a:cs typeface="Agave"/>
-              </a:rPr>
-              <a:t>Life Expectancy and The Typical Western Diet</a:t>
-            </a:r>
-            <a:endParaRPr sz="2800" b="0">
+              <a:t>2/3</a:t>
+            </a:r>
+            <a:endParaRPr sz="2600" b="0">
               <a:solidFill>
                 <a:schemeClr val="bg1"/>
               </a:solidFill>
@@ -6266,6 +5563,94 @@
           </a:p>
         </p:txBody>
       </p:sp>
+      <p:sp>
+        <p:nvSpPr>
+          <p:cNvPr id="603489966" name="TextBox 6"/>
+          <p:cNvSpPr txBox="1"/>
+          <p:nvPr/>
+        </p:nvSpPr>
+        <p:spPr bwMode="auto">
+          <a:xfrm rot="0" flipH="0" flipV="0">
+            <a:off x="173057" y="9377743"/>
+            <a:ext cx="4018584" cy="782172"/>
+          </a:xfrm>
+          <a:prstGeom prst="rect">
+            <a:avLst/>
+          </a:prstGeom>
+        </p:spPr>
+        <p:txBody>
+          <a:bodyPr lIns="0" tIns="0" rIns="0" bIns="0" rtlCol="0" anchor="t">
+            <a:spAutoFit/>
+          </a:bodyPr>
+          <a:lstStyle/>
+          <a:p>
+            <a:pPr algn="ctr">
+              <a:lnSpc>
+                <a:spcPts val="6155"/>
+              </a:lnSpc>
+              <a:defRPr/>
+            </a:pPr>
+            <a:r>
+              <a:rPr lang="en-US" sz="2600" b="0">
+                <a:solidFill>
+                  <a:schemeClr val="bg1"/>
+                </a:solidFill>
+                <a:latin typeface="Agave"/>
+                <a:ea typeface="Agave"/>
+                <a:cs typeface="Agave"/>
+              </a:rPr>
+              <a:t>Counsels on Lifestyle</a:t>
+            </a:r>
+            <a:endParaRPr sz="2600" b="0">
+              <a:solidFill>
+                <a:schemeClr val="bg1"/>
+              </a:solidFill>
+              <a:latin typeface="Tinos"/>
+              <a:cs typeface="Tinos"/>
+            </a:endParaRPr>
+          </a:p>
+        </p:txBody>
+      </p:sp>
+      <p:cxnSp>
+        <p:nvCxnSpPr>
+          <p:cNvPr id="1817903344" name=""/>
+          <p:cNvCxnSpPr>
+            <a:cxnSpLocks/>
+          </p:cNvCxnSpPr>
+          <p:nvPr/>
+        </p:nvCxnSpPr>
+        <p:spPr bwMode="auto">
+          <a:xfrm flipH="0" flipV="0">
+            <a:off x="13611" y="9578863"/>
+            <a:ext cx="10247581" cy="75540"/>
+          </a:xfrm>
+          <a:prstGeom prst="line">
+            <a:avLst/>
+          </a:prstGeom>
+          <a:ln w="38099" cap="flat" cmpd="sng" algn="ctr">
+            <a:solidFill>
+              <a:schemeClr val="bg1"/>
+            </a:solidFill>
+            <a:prstDash val="solid"/>
+          </a:ln>
+        </p:spPr>
+        <p:style>
+          <a:lnRef idx="1">
+            <a:schemeClr val="accent1">
+              <a:shade val="50000"/>
+            </a:schemeClr>
+          </a:lnRef>
+          <a:fillRef idx="0">
+            <a:schemeClr val="accent1"/>
+          </a:fillRef>
+          <a:effectRef idx="0">
+            <a:schemeClr val="accent1"/>
+          </a:effectRef>
+          <a:fontRef idx="minor">
+            <a:schemeClr val="tx1"/>
+          </a:fontRef>
+        </p:style>
+      </p:cxnSp>
     </p:spTree>
   </p:cSld>
   <p:clrMapOvr>
@@ -6288,10 +5673,9 @@
     <p:bg>
       <p:bgPr shadeToTitle="0">
         <a:solidFill>
-          <a:schemeClr val="accent4">
-            <a:lumMod val="50000"/>
+          <a:srgbClr val="362B42">
             <a:alpha val="99999"/>
-          </a:schemeClr>
+          </a:srgbClr>
         </a:solidFill>
       </p:bgPr>
     </p:bg>
@@ -6311,55 +5695,14 @@
       </p:grpSpPr>
       <p:sp>
         <p:nvSpPr>
-          <p:cNvPr id="2003307179" name=""/>
-          <p:cNvSpPr/>
-          <p:nvPr/>
-        </p:nvSpPr>
-        <p:spPr bwMode="auto">
-          <a:xfrm flipH="0" flipV="0">
-            <a:off x="581145" y="1619247"/>
-            <a:ext cx="9081798" cy="7938594"/>
-          </a:xfrm>
-          <a:prstGeom prst="roundRect">
-            <a:avLst>
-              <a:gd name="adj" fmla="val 3765"/>
-            </a:avLst>
-          </a:prstGeom>
-          <a:solidFill>
-            <a:srgbClr val="232136"/>
-          </a:solidFill>
-          <a:ln w="25400" cap="flat" cmpd="sng" algn="ctr">
-            <a:noFill/>
-            <a:prstDash val="solid"/>
-          </a:ln>
-        </p:spPr>
-        <p:style>
-          <a:lnRef idx="2">
-            <a:schemeClr val="accent1">
-              <a:shade val="50000"/>
-            </a:schemeClr>
-          </a:lnRef>
-          <a:fillRef idx="1">
-            <a:schemeClr val="accent1"/>
-          </a:fillRef>
-          <a:effectRef idx="0">
-            <a:schemeClr val="accent1"/>
-          </a:effectRef>
-          <a:fontRef idx="minor">
-            <a:schemeClr val="lt1"/>
-          </a:fontRef>
-        </p:style>
-      </p:sp>
-      <p:sp>
-        <p:nvSpPr>
           <p:cNvPr id="1359300248" name=""/>
           <p:cNvSpPr txBox="1"/>
           <p:nvPr/>
         </p:nvSpPr>
         <p:spPr bwMode="auto">
           <a:xfrm flipH="0" flipV="0">
-            <a:off x="1004098" y="1869804"/>
-            <a:ext cx="8328389" cy="7406999"/>
+            <a:off x="1004097" y="1869804"/>
+            <a:ext cx="8332708" cy="6370679"/>
           </a:xfrm>
           <a:prstGeom prst="rect">
             <a:avLst/>
@@ -6375,132 +5718,9 @@
               <a:defRPr/>
             </a:pPr>
             <a:r>
-              <a:rPr lang="en-US" sz="2400" b="0" i="0" u="none" strike="noStrike" cap="none" spc="0">
-                <a:solidFill>
-                  <a:schemeClr val="bg1"/>
-                </a:solidFill>
-                <a:latin typeface="Agave"/>
-                <a:ea typeface="Agave"/>
-                <a:cs typeface="Agave"/>
-              </a:rPr>
-              <a:t>He who created man and who understands his needs appointed Adam his food. “Behold,” He said, </a:t>
-            </a:r>
-            <a:r>
-              <a:rPr lang="en-US" sz="2400" b="0" i="0" u="none" strike="noStrike" cap="none" spc="0">
+              <a:rPr lang="en-US" sz="3600" b="0" i="0" u="none" strike="noStrike" cap="none" spc="0">
                 <a:solidFill>
                   <a:srgbClr val="92D050"/>
-                </a:solidFill>
-                <a:latin typeface="Agave"/>
-                <a:ea typeface="Agave"/>
-                <a:cs typeface="Agave"/>
-              </a:rPr>
-              <a:t>“I have given you every herb yielding seed</a:t>
-            </a:r>
-            <a:r>
-              <a:rPr lang="en-US" sz="2400" b="0" i="0" u="none" strike="noStrike" cap="none" spc="0">
-                <a:solidFill>
-                  <a:schemeClr val="bg1"/>
-                </a:solidFill>
-                <a:latin typeface="Agave"/>
-                <a:ea typeface="Agave"/>
-                <a:cs typeface="Agave"/>
-              </a:rPr>
-              <a:t>, … and </a:t>
-            </a:r>
-            <a:r>
-              <a:rPr lang="en-US" sz="2400" b="0" i="0" u="none" strike="noStrike" cap="none" spc="0">
-                <a:solidFill>
-                  <a:srgbClr val="92D050"/>
-                </a:solidFill>
-                <a:latin typeface="Agave"/>
-                <a:ea typeface="Agave"/>
-                <a:cs typeface="Agave"/>
-              </a:rPr>
-              <a:t>every tree, in which is the fruit</a:t>
-            </a:r>
-            <a:r>
-              <a:rPr lang="en-US" sz="2400" b="0" i="0" u="none" strike="noStrike" cap="none" spc="0">
-                <a:solidFill>
-                  <a:schemeClr val="bg1"/>
-                </a:solidFill>
-                <a:latin typeface="Agave"/>
-                <a:ea typeface="Agave"/>
-                <a:cs typeface="Agave"/>
-              </a:rPr>
-              <a:t> of a </a:t>
-            </a:r>
-            <a:r>
-              <a:rPr lang="en-US" sz="2400" b="0" i="0" u="none" strike="noStrike" cap="none" spc="0">
-                <a:solidFill>
-                  <a:srgbClr val="92D050"/>
-                </a:solidFill>
-                <a:latin typeface="Agave"/>
-                <a:ea typeface="Agave"/>
-                <a:cs typeface="Agave"/>
-              </a:rPr>
-              <a:t>tree yielding seed</a:t>
-            </a:r>
-            <a:r>
-              <a:rPr lang="en-US" sz="2400" b="0" i="0" u="none" strike="noStrike" cap="none" spc="0">
-                <a:solidFill>
-                  <a:schemeClr val="bg1"/>
-                </a:solidFill>
-                <a:latin typeface="Agave"/>
-                <a:ea typeface="Agave"/>
-                <a:cs typeface="Agave"/>
-              </a:rPr>
-              <a:t>; </a:t>
-            </a:r>
-            <a:r>
-              <a:rPr lang="en-US" sz="2400" b="0" i="0" u="none" strike="noStrike" cap="none" spc="0">
-                <a:solidFill>
-                  <a:srgbClr val="00B0F0"/>
-                </a:solidFill>
-                <a:latin typeface="Agave"/>
-                <a:ea typeface="Agave"/>
-                <a:cs typeface="Agave"/>
-              </a:rPr>
-              <a:t>to you it shall be for food</a:t>
-            </a:r>
-            <a:r>
-              <a:rPr lang="en-US" sz="2400" b="0" i="0" u="none" strike="noStrike" cap="none" spc="0">
-                <a:solidFill>
-                  <a:schemeClr val="bg1"/>
-                </a:solidFill>
-                <a:latin typeface="Agave"/>
-                <a:ea typeface="Agave"/>
-                <a:cs typeface="Agave"/>
-              </a:rPr>
-              <a:t>.” </a:t>
-            </a:r>
-            <a:endParaRPr sz="2400" b="0" i="0" u="none" strike="noStrike" cap="none" spc="0">
-              <a:solidFill>
-                <a:schemeClr val="bg1"/>
-              </a:solidFill>
-              <a:latin typeface="Agave"/>
-              <a:cs typeface="Agave"/>
-            </a:endParaRPr>
-          </a:p>
-          <a:p>
-            <a:pPr>
-              <a:defRPr/>
-            </a:pPr>
-            <a:endParaRPr sz="2400" b="0" i="0" u="none" strike="noStrike" cap="none" spc="0">
-              <a:solidFill>
-                <a:schemeClr val="bg1"/>
-              </a:solidFill>
-              <a:latin typeface="Agave"/>
-              <a:cs typeface="Agave"/>
-            </a:endParaRPr>
-          </a:p>
-          <a:p>
-            <a:pPr>
-              <a:defRPr/>
-            </a:pPr>
-            <a:r>
-              <a:rPr lang="en-US" sz="2400" b="0" i="0" u="none" strike="noStrike" cap="none" spc="0">
-                <a:solidFill>
-                  <a:srgbClr val="00B0F0"/>
                 </a:solidFill>
                 <a:latin typeface="Agave"/>
                 <a:ea typeface="Agave"/>
@@ -6509,7 +5729,7 @@
               <a:t>Let the diet reform be progressive</a:t>
             </a:r>
             <a:r>
-              <a:rPr lang="en-US" sz="2400" b="0" i="0" u="none" strike="noStrike" cap="none" spc="0">
+              <a:rPr lang="en-US" sz="3600" b="0" i="0" u="none" strike="noStrike" cap="none" spc="0">
                 <a:solidFill>
                   <a:schemeClr val="bg1"/>
                 </a:solidFill>
@@ -6520,7 +5740,7 @@
               <a:t>. Let the people be taught how to prepare food without the use of milk or butter. Tell them that the </a:t>
             </a:r>
             <a:r>
-              <a:rPr lang="en-US" sz="2400" b="0" i="0" u="none" strike="noStrike" cap="none" spc="0">
+              <a:rPr lang="en-US" sz="3600" b="0" i="0" u="none" strike="noStrike" cap="none" spc="0">
                 <a:solidFill>
                   <a:srgbClr val="FFC000"/>
                 </a:solidFill>
@@ -6531,7 +5751,7 @@
               <a:t>time will soon come when there will be no safety in using eggs, milk, cream, or butter</a:t>
             </a:r>
             <a:r>
-              <a:rPr lang="en-US" sz="2400" b="0" i="0" u="none" strike="noStrike" cap="none" spc="0">
+              <a:rPr lang="en-US" sz="3600" b="0" i="0" u="none" strike="noStrike" cap="none" spc="0">
                 <a:solidFill>
                   <a:schemeClr val="bg1"/>
                 </a:solidFill>
@@ -6542,7 +5762,7 @@
               <a:t>, </a:t>
             </a:r>
             <a:r>
-              <a:rPr lang="en-US" sz="2400" b="0" i="0" u="none" strike="noStrike" cap="none" spc="0">
+              <a:rPr lang="en-US" sz="3600" b="0" i="0" u="none" strike="noStrike" cap="none" spc="0">
                 <a:solidFill>
                   <a:srgbClr val="EB6F92"/>
                 </a:solidFill>
@@ -6553,7 +5773,7 @@
               <a:t>because disease in animals is increasing in proportion to the increase of wickedness among men</a:t>
             </a:r>
             <a:r>
-              <a:rPr lang="en-US" sz="2400" b="0" i="0" u="none" strike="noStrike" cap="none" spc="0">
+              <a:rPr lang="en-US" sz="3600" b="0" i="0" u="none" strike="noStrike" cap="none" spc="0">
                 <a:solidFill>
                   <a:schemeClr val="bg1"/>
                 </a:solidFill>
@@ -6561,51 +5781,7 @@
                 <a:ea typeface="Agave"/>
                 <a:cs typeface="Agave"/>
               </a:rPr>
-              <a:t>... because of the iniquity of the fallen race, the </a:t>
-            </a:r>
-            <a:r>
-              <a:rPr lang="en-US" sz="2400" b="0" i="0" u="none" strike="noStrike" cap="none" spc="0">
-                <a:solidFill>
-                  <a:srgbClr val="FFC000"/>
-                </a:solidFill>
-                <a:latin typeface="Agave"/>
-                <a:ea typeface="Agave"/>
-                <a:cs typeface="Agave"/>
-              </a:rPr>
-              <a:t>whole animal creation will groan</a:t>
-            </a:r>
-            <a:r>
-              <a:rPr lang="en-US" sz="2400" b="0" i="0" u="none" strike="noStrike" cap="none" spc="0">
-                <a:solidFill>
-                  <a:schemeClr val="bg1"/>
-                </a:solidFill>
-                <a:latin typeface="Agave"/>
-                <a:ea typeface="Agave"/>
-                <a:cs typeface="Agave"/>
-              </a:rPr>
-              <a:t> under the </a:t>
-            </a:r>
-            <a:r>
-              <a:rPr lang="en-US" sz="2400" b="0" i="0" u="none" strike="noStrike" cap="none" spc="0">
-                <a:solidFill>
-                  <a:srgbClr val="E99C34"/>
-                </a:solidFill>
-                <a:latin typeface="Agave"/>
-                <a:ea typeface="Agave"/>
-                <a:cs typeface="Agave"/>
-              </a:rPr>
-              <a:t>diseases that curse our earth</a:t>
-            </a:r>
-            <a:r>
-              <a:rPr lang="en-US" sz="2400" b="0" i="0" u="none" strike="noStrike" cap="none" spc="0">
-                <a:solidFill>
-                  <a:schemeClr val="bg1"/>
-                </a:solidFill>
-                <a:latin typeface="Agave"/>
-                <a:ea typeface="Agave"/>
-                <a:cs typeface="Agave"/>
-              </a:rPr>
-              <a:t>. </a:t>
+              <a:t>... </a:t>
             </a:r>
             <a:endParaRPr lang="en-US" sz="2400" b="0" i="0" u="none" strike="noStrike" cap="none" spc="0">
               <a:solidFill>
@@ -6632,7 +5808,7 @@
               <a:defRPr/>
             </a:pPr>
             <a:r>
-              <a:rPr lang="en-US" sz="2400" b="0" i="0" u="none" strike="noStrike" cap="none" spc="0">
+              <a:rPr lang="en-US" sz="2800" b="0" i="1" u="none" strike="noStrike" cap="none" spc="0">
                 <a:solidFill>
                   <a:schemeClr val="bg1"/>
                 </a:solidFill>
@@ -6640,117 +5816,14 @@
                 <a:ea typeface="Agave"/>
                 <a:cs typeface="Agave"/>
               </a:rPr>
-              <a:t>God will give His people ability and tact to prepare </a:t>
-            </a:r>
-            <a:r>
-              <a:rPr lang="en-US" sz="2400" b="0" i="0" u="none" strike="noStrike" cap="none" spc="0">
-                <a:solidFill>
-                  <a:srgbClr val="92D050"/>
-                </a:solidFill>
-                <a:latin typeface="Agave"/>
-                <a:ea typeface="Agave"/>
-                <a:cs typeface="Agave"/>
-              </a:rPr>
-              <a:t>wholesome food without these things</a:t>
-            </a:r>
-            <a:r>
-              <a:rPr lang="en-US" sz="2400" b="0" i="0" u="none" strike="noStrike" cap="none" spc="0">
-                <a:solidFill>
-                  <a:schemeClr val="bg1"/>
-                </a:solidFill>
-                <a:latin typeface="Agave"/>
-                <a:ea typeface="Agave"/>
-                <a:cs typeface="Agave"/>
-              </a:rPr>
-              <a:t>. </a:t>
-            </a:r>
-            <a:r>
-              <a:rPr lang="en-US" sz="2400" b="0" i="0" u="none" strike="noStrike" cap="none" spc="0">
-                <a:solidFill>
-                  <a:srgbClr val="00B0F0"/>
-                </a:solidFill>
-                <a:latin typeface="Agave"/>
-                <a:ea typeface="Agave"/>
-                <a:cs typeface="Agave"/>
-              </a:rPr>
-              <a:t>Let our people discard all unwholesome recipes</a:t>
-            </a:r>
-            <a:r>
-              <a:rPr lang="en-US" sz="2400" b="0" i="0" u="none" strike="noStrike" cap="none" spc="0">
-                <a:solidFill>
-                  <a:schemeClr val="bg1"/>
-                </a:solidFill>
-                <a:latin typeface="Agave"/>
-                <a:ea typeface="Agave"/>
-                <a:cs typeface="Agave"/>
-              </a:rPr>
-              <a:t>.</a:t>
-            </a:r>
-            <a:r>
-              <a:rPr lang="en-US" sz="2400" b="0" i="1" u="none" strike="noStrike" cap="none" spc="0">
-                <a:solidFill>
-                  <a:srgbClr val="EA9A97"/>
-                </a:solidFill>
-                <a:latin typeface="Agave"/>
-                <a:ea typeface="Agave"/>
-                <a:cs typeface="Agave"/>
-              </a:rPr>
-              <a:t>—Testimonies for the Church 7:135, 1902 </a:t>
-            </a:r>
-            <a:endParaRPr sz="2400" b="0" i="0" u="none" strike="noStrike" cap="none" spc="0">
+              <a:t>Testimonies for the Church 7:135, 1902 </a:t>
+            </a:r>
+            <a:endParaRPr sz="2800" b="0" i="0" u="none" strike="noStrike" cap="none" spc="0">
               <a:solidFill>
                 <a:schemeClr val="bg1"/>
               </a:solidFill>
               <a:latin typeface="Agave"/>
               <a:cs typeface="Agave"/>
-            </a:endParaRPr>
-          </a:p>
-        </p:txBody>
-      </p:sp>
-      <p:sp>
-        <p:nvSpPr>
-          <p:cNvPr id="1270383714" name="TextBox 6"/>
-          <p:cNvSpPr txBox="1"/>
-          <p:nvPr/>
-        </p:nvSpPr>
-        <p:spPr bwMode="auto">
-          <a:xfrm rot="0" flipH="0" flipV="0">
-            <a:off x="8768151" y="9279214"/>
-            <a:ext cx="1262859" cy="782552"/>
-          </a:xfrm>
-          <a:prstGeom prst="rect">
-            <a:avLst/>
-          </a:prstGeom>
-        </p:spPr>
-        <p:txBody>
-          <a:bodyPr lIns="0" tIns="0" rIns="0" bIns="0" rtlCol="0" anchor="t">
-            <a:spAutoFit/>
-          </a:bodyPr>
-          <a:lstStyle/>
-          <a:p>
-            <a:pPr algn="ctr">
-              <a:lnSpc>
-                <a:spcPts val="6158"/>
-              </a:lnSpc>
-              <a:defRPr/>
-            </a:pPr>
-            <a:r>
-              <a:rPr lang="en-US" sz="2600" b="0">
-                <a:solidFill>
-                  <a:schemeClr val="bg1"/>
-                </a:solidFill>
-                <a:latin typeface="Agave"/>
-                <a:ea typeface="Agave"/>
-                <a:cs typeface="Agave"/>
-              </a:rPr>
-              <a:t>3/3</a:t>
-            </a:r>
-            <a:endParaRPr sz="2600" b="0">
-              <a:solidFill>
-                <a:schemeClr val="bg1"/>
-              </a:solidFill>
-              <a:latin typeface="Tinos"/>
-              <a:cs typeface="Tinos"/>
             </a:endParaRPr>
           </a:p>
         </p:txBody>
@@ -6805,14 +5878,14 @@
       </p:sp>
       <p:sp>
         <p:nvSpPr>
-          <p:cNvPr id="1706019292" name="TextBox 6"/>
+          <p:cNvPr id="1109156742" name="TextBox 6"/>
           <p:cNvSpPr txBox="1"/>
           <p:nvPr/>
         </p:nvSpPr>
         <p:spPr bwMode="auto">
           <a:xfrm rot="0" flipH="0" flipV="0">
-            <a:off x="501507" y="9279211"/>
-            <a:ext cx="4009946" cy="1056618"/>
+            <a:off x="8875236" y="9443439"/>
+            <a:ext cx="1264658" cy="782552"/>
           </a:xfrm>
           <a:prstGeom prst="rect">
             <a:avLst/>
@@ -6826,12 +5899,12 @@
           <a:p>
             <a:pPr algn="ctr">
               <a:lnSpc>
-                <a:spcPts val="6156"/>
+                <a:spcPts val="6158"/>
               </a:lnSpc>
               <a:defRPr/>
             </a:pPr>
             <a:r>
-              <a:rPr lang="en-US" sz="2600" b="0" i="0" u="none" strike="noStrike" cap="none" spc="0">
+              <a:rPr lang="en-US" sz="2600" b="0">
                 <a:solidFill>
                   <a:schemeClr val="bg1"/>
                 </a:solidFill>
@@ -6839,7 +5912,7 @@
                 <a:ea typeface="Agave"/>
                 <a:cs typeface="Agave"/>
               </a:rPr>
-              <a:t>Counsels on Lifestyle</a:t>
+              <a:t>3/3</a:t>
             </a:r>
             <a:endParaRPr sz="2600" b="0">
               <a:solidFill>
@@ -6849,24 +5922,18 @@
               <a:cs typeface="Tinos"/>
             </a:endParaRPr>
           </a:p>
-          <a:p>
-            <a:pPr>
-              <a:defRPr/>
-            </a:pPr>
-            <a:endParaRPr/>
-          </a:p>
-        </p:txBody>
-      </p:sp>
-      <p:sp>
-        <p:nvSpPr>
-          <p:cNvPr id="639666330" name="TextBox 6"/>
+        </p:txBody>
+      </p:sp>
+      <p:sp>
+        <p:nvSpPr>
+          <p:cNvPr id="1166846503" name="TextBox 6"/>
           <p:cNvSpPr txBox="1"/>
           <p:nvPr/>
         </p:nvSpPr>
         <p:spPr bwMode="auto">
           <a:xfrm rot="0" flipH="0" flipV="0">
-            <a:off x="-80784" y="1091785"/>
-            <a:ext cx="10589537" cy="335639"/>
+            <a:off x="173058" y="9377743"/>
+            <a:ext cx="4018224" cy="782172"/>
           </a:xfrm>
           <a:prstGeom prst="rect">
             <a:avLst/>
@@ -6879,98 +5946,23 @@
           <a:lstStyle/>
           <a:p>
             <a:pPr algn="ctr">
-              <a:defRPr/>
-            </a:pPr>
-            <a:r>
-              <a:rPr lang="en-US" sz="2200" b="0" i="0" u="none" strike="noStrike" cap="none" spc="0">
-                <a:solidFill>
-                  <a:schemeClr val="bg1">
-                    <a:lumMod val="75000"/>
-                  </a:schemeClr>
+              <a:lnSpc>
+                <a:spcPts val="6155"/>
+              </a:lnSpc>
+              <a:defRPr/>
+            </a:pPr>
+            <a:r>
+              <a:rPr lang="en-US" sz="2600" b="0">
+                <a:solidFill>
+                  <a:schemeClr val="bg1"/>
                 </a:solidFill>
                 <a:latin typeface="Agave"/>
                 <a:ea typeface="Agave"/>
                 <a:cs typeface="Agave"/>
               </a:rPr>
-              <a:t>Fadnes, Lars T et al. </a:t>
-            </a:r>
-            <a:r>
-              <a:rPr lang="en-US" sz="2200" b="0" i="0" u="none" strike="noStrike" cap="none" spc="0">
-                <a:solidFill>
-                  <a:schemeClr val="bg1">
-                    <a:lumMod val="75000"/>
-                  </a:schemeClr>
-                </a:solidFill>
-                <a:latin typeface="Agave"/>
-                <a:ea typeface="Agave"/>
-                <a:cs typeface="Agave"/>
-              </a:rPr>
-              <a:t>PLoS Med</a:t>
-            </a:r>
-            <a:r>
-              <a:rPr lang="en-US" sz="2200" b="0" i="0" u="none" strike="noStrike" cap="none" spc="0">
-                <a:solidFill>
-                  <a:schemeClr val="bg1">
-                    <a:lumMod val="75000"/>
-                  </a:schemeClr>
-                </a:solidFill>
-                <a:latin typeface="Agave"/>
-                <a:ea typeface="Agave"/>
-                <a:cs typeface="Agave"/>
-              </a:rPr>
-              <a:t> 2022 Feb 8; 19(2)</a:t>
-            </a:r>
-            <a:endParaRPr lang="en-US" sz="2200" b="0" i="0" u="none" strike="noStrike" cap="none" spc="0">
-              <a:solidFill>
-                <a:schemeClr val="bg1">
-                  <a:lumMod val="75000"/>
-                </a:schemeClr>
-              </a:solidFill>
-              <a:latin typeface="Agave"/>
-              <a:cs typeface="Agave"/>
-            </a:endParaRPr>
-          </a:p>
-        </p:txBody>
-      </p:sp>
-      <p:sp>
-        <p:nvSpPr>
-          <p:cNvPr id="298594920" name="TextBox 6"/>
-          <p:cNvSpPr txBox="1"/>
-          <p:nvPr/>
-        </p:nvSpPr>
-        <p:spPr bwMode="auto">
-          <a:xfrm rot="0" flipH="0" flipV="0">
-            <a:off x="-291593" y="163459"/>
-            <a:ext cx="11098638" cy="782298"/>
-          </a:xfrm>
-          <a:prstGeom prst="rect">
-            <a:avLst/>
-          </a:prstGeom>
-        </p:spPr>
-        <p:txBody>
-          <a:bodyPr lIns="0" tIns="0" rIns="0" bIns="0" rtlCol="0" anchor="t">
-            <a:spAutoFit/>
-          </a:bodyPr>
-          <a:lstStyle/>
-          <a:p>
-            <a:pPr algn="ctr">
-              <a:lnSpc>
-                <a:spcPts val="6156"/>
-              </a:lnSpc>
-              <a:defRPr/>
-            </a:pPr>
-            <a:r>
-              <a:rPr lang="en-US" sz="2800" b="0">
-                <a:solidFill>
-                  <a:schemeClr val="bg1"/>
-                </a:solidFill>
-                <a:latin typeface="Agave"/>
-                <a:ea typeface="Agave"/>
-                <a:cs typeface="Agave"/>
-              </a:rPr>
-              <a:t>Life Expectancy and The Typical Western Diet</a:t>
-            </a:r>
-            <a:endParaRPr sz="2800" b="0">
+              <a:t>Counsels on Lifestyle</a:t>
+            </a:r>
+            <a:endParaRPr sz="2600" b="0">
               <a:solidFill>
                 <a:schemeClr val="bg1"/>
               </a:solidFill>
@@ -6980,6 +5972,46 @@
           </a:p>
         </p:txBody>
       </p:sp>
+      <p:cxnSp>
+        <p:nvCxnSpPr>
+          <p:cNvPr id="999596779" name=""/>
+          <p:cNvCxnSpPr>
+            <a:cxnSpLocks/>
+          </p:cNvCxnSpPr>
+          <p:nvPr/>
+        </p:nvCxnSpPr>
+        <p:spPr bwMode="auto">
+          <a:xfrm flipH="0" flipV="0">
+            <a:off x="13611" y="9578863"/>
+            <a:ext cx="10247581" cy="75540"/>
+          </a:xfrm>
+          <a:prstGeom prst="line">
+            <a:avLst/>
+          </a:prstGeom>
+          <a:ln w="38099" cap="flat" cmpd="sng" algn="ctr">
+            <a:solidFill>
+              <a:schemeClr val="bg1"/>
+            </a:solidFill>
+            <a:prstDash val="solid"/>
+          </a:ln>
+        </p:spPr>
+        <p:style>
+          <a:lnRef idx="1">
+            <a:schemeClr val="accent1">
+              <a:shade val="50000"/>
+            </a:schemeClr>
+          </a:lnRef>
+          <a:fillRef idx="0">
+            <a:schemeClr val="accent1"/>
+          </a:fillRef>
+          <a:effectRef idx="0">
+            <a:schemeClr val="accent1"/>
+          </a:effectRef>
+          <a:fontRef idx="minor">
+            <a:schemeClr val="tx1"/>
+          </a:fontRef>
+        </p:style>
+      </p:cxnSp>
     </p:spTree>
   </p:cSld>
   <p:clrMapOvr>

--- a/posts/6/slides.pptx
+++ b/posts/6/slides.pptx
@@ -3936,7 +3936,7 @@
           <p:nvPr/>
         </p:nvCxnSpPr>
         <p:spPr bwMode="auto">
-          <a:xfrm rot="10799990" flipH="1" flipV="0">
+          <a:xfrm rot="10799989" flipH="1" flipV="0">
             <a:off x="1346400" y="8222400"/>
             <a:ext cx="5992421" cy="0"/>
           </a:xfrm>
@@ -4131,8 +4131,8 @@
         </p:nvSpPr>
         <p:spPr bwMode="auto">
           <a:xfrm flipH="0" flipV="0">
-            <a:off x="7288435" y="3405033"/>
-            <a:ext cx="2639283" cy="473248"/>
+            <a:off x="7288434" y="3405033"/>
+            <a:ext cx="2640002" cy="473248"/>
           </a:xfrm>
           <a:prstGeom prst="roundRect">
             <a:avLst>
@@ -4181,8 +4181,8 @@
         </p:nvSpPr>
         <p:spPr bwMode="auto">
           <a:xfrm flipH="0" flipV="0">
-            <a:off x="7307776" y="4019277"/>
-            <a:ext cx="1880515" cy="473248"/>
+            <a:off x="7307775" y="4019276"/>
+            <a:ext cx="1881234" cy="473248"/>
           </a:xfrm>
           <a:prstGeom prst="roundRect">
             <a:avLst>
@@ -4230,8 +4230,8 @@
         </p:nvSpPr>
         <p:spPr bwMode="auto">
           <a:xfrm flipH="0" flipV="0">
-            <a:off x="7288435" y="4649482"/>
-            <a:ext cx="2192146" cy="473248"/>
+            <a:off x="7288434" y="4649481"/>
+            <a:ext cx="2192865" cy="473248"/>
           </a:xfrm>
           <a:prstGeom prst="roundRect">
             <a:avLst>
@@ -4292,8 +4292,8 @@
         </p:nvSpPr>
         <p:spPr bwMode="auto">
           <a:xfrm flipH="0" flipV="0">
-            <a:off x="7275296" y="6207124"/>
-            <a:ext cx="1814222" cy="473248"/>
+            <a:off x="7275295" y="6207123"/>
+            <a:ext cx="1814941" cy="473248"/>
           </a:xfrm>
           <a:prstGeom prst="roundRect">
             <a:avLst>
@@ -4343,8 +4343,8 @@
         </p:nvSpPr>
         <p:spPr bwMode="auto">
           <a:xfrm flipH="0" flipV="0">
-            <a:off x="7288435" y="2835002"/>
-            <a:ext cx="2191426" cy="473248"/>
+            <a:off x="7288434" y="2835001"/>
+            <a:ext cx="2192145" cy="473248"/>
           </a:xfrm>
           <a:prstGeom prst="roundRect">
             <a:avLst>
@@ -4494,7 +4494,7 @@
         <p:spPr bwMode="auto">
           <a:xfrm flipH="0" flipV="0">
             <a:off x="5426362" y="1942827"/>
-            <a:ext cx="1810748" cy="518519"/>
+            <a:ext cx="1810747" cy="518519"/>
           </a:xfrm>
           <a:prstGeom prst="rect">
             <a:avLst/>
@@ -4538,7 +4538,7 @@
           <p:nvPr/>
         </p:nvCxnSpPr>
         <p:spPr bwMode="auto">
-          <a:xfrm rot="5399977" flipH="0" flipV="1">
+          <a:xfrm rot="5399976" flipH="0" flipV="1">
             <a:off x="2050770" y="2527162"/>
             <a:ext cx="361316" cy="0"/>
           </a:xfrm>
@@ -4581,7 +4581,7 @@
           <p:nvPr/>
         </p:nvCxnSpPr>
         <p:spPr bwMode="auto">
-          <a:xfrm rot="5399977" flipH="0" flipV="1">
+          <a:xfrm rot="5399976" flipH="0" flipV="1">
             <a:off x="4040135" y="2543490"/>
             <a:ext cx="361315" cy="0"/>
           </a:xfrm>
@@ -4624,7 +4624,7 @@
           <p:nvPr/>
         </p:nvCxnSpPr>
         <p:spPr bwMode="auto">
-          <a:xfrm rot="5399977" flipH="0" flipV="1">
+          <a:xfrm rot="5399976" flipH="0" flipV="1">
             <a:off x="6149163" y="2541963"/>
             <a:ext cx="361315" cy="0"/>
           </a:xfrm>
@@ -4878,54 +4878,6 @@
           </a:p>
         </p:txBody>
       </p:sp>
-      <p:sp>
-        <p:nvSpPr>
-          <p:cNvPr id="2086156274" name="TextBox 6"/>
-          <p:cNvSpPr txBox="1"/>
-          <p:nvPr/>
-        </p:nvSpPr>
-        <p:spPr bwMode="auto">
-          <a:xfrm rot="0" flipH="0" flipV="0">
-            <a:off x="173057" y="9377743"/>
-            <a:ext cx="4018584" cy="782172"/>
-          </a:xfrm>
-          <a:prstGeom prst="rect">
-            <a:avLst/>
-          </a:prstGeom>
-        </p:spPr>
-        <p:txBody>
-          <a:bodyPr lIns="0" tIns="0" rIns="0" bIns="0" rtlCol="0" anchor="t">
-            <a:spAutoFit/>
-          </a:bodyPr>
-          <a:lstStyle/>
-          <a:p>
-            <a:pPr algn="ctr">
-              <a:lnSpc>
-                <a:spcPts val="6155"/>
-              </a:lnSpc>
-              <a:defRPr/>
-            </a:pPr>
-            <a:r>
-              <a:rPr lang="en-US" sz="2600" b="0">
-                <a:solidFill>
-                  <a:schemeClr val="bg1"/>
-                </a:solidFill>
-                <a:latin typeface="Agave"/>
-                <a:ea typeface="Agave"/>
-                <a:cs typeface="Agave"/>
-              </a:rPr>
-              <a:t>Counsels on Lifestyle</a:t>
-            </a:r>
-            <a:endParaRPr sz="2600" b="0">
-              <a:solidFill>
-                <a:schemeClr val="bg1"/>
-              </a:solidFill>
-              <a:latin typeface="Tinos"/>
-              <a:cs typeface="Tinos"/>
-            </a:endParaRPr>
-          </a:p>
-        </p:txBody>
-      </p:sp>
       <p:cxnSp>
         <p:nvCxnSpPr>
           <p:cNvPr id="1025804361" name=""/>
@@ -4966,6 +4918,54 @@
           </a:fontRef>
         </p:style>
       </p:cxnSp>
+      <p:sp>
+        <p:nvSpPr>
+          <p:cNvPr id="918584291" name="TextBox 6"/>
+          <p:cNvSpPr txBox="1"/>
+          <p:nvPr/>
+        </p:nvSpPr>
+        <p:spPr bwMode="auto">
+          <a:xfrm rot="0" flipH="0" flipV="0">
+            <a:off x="173055" y="9377742"/>
+            <a:ext cx="4594244" cy="782043"/>
+          </a:xfrm>
+          <a:prstGeom prst="rect">
+            <a:avLst/>
+          </a:prstGeom>
+        </p:spPr>
+        <p:txBody>
+          <a:bodyPr lIns="0" tIns="0" rIns="0" bIns="0" rtlCol="0" anchor="t">
+            <a:spAutoFit/>
+          </a:bodyPr>
+          <a:lstStyle/>
+          <a:p>
+            <a:pPr algn="ctr">
+              <a:lnSpc>
+                <a:spcPts val="6154"/>
+              </a:lnSpc>
+              <a:defRPr/>
+            </a:pPr>
+            <a:r>
+              <a:rPr lang="en-US" sz="2600" b="0">
+                <a:solidFill>
+                  <a:schemeClr val="bg1"/>
+                </a:solidFill>
+                <a:latin typeface="Agave"/>
+                <a:ea typeface="Agave"/>
+                <a:cs typeface="Agave"/>
+              </a:rPr>
+              <a:t>The Health Message Works!</a:t>
+            </a:r>
+            <a:endParaRPr sz="2600" b="0">
+              <a:solidFill>
+                <a:schemeClr val="bg1"/>
+              </a:solidFill>
+              <a:latin typeface="Tinos"/>
+              <a:cs typeface="Tinos"/>
+            </a:endParaRPr>
+          </a:p>
+        </p:txBody>
+      </p:sp>
     </p:spTree>
   </p:cSld>
   <p:clrMapOvr>
@@ -4988,7 +4988,7 @@
     <p:bg>
       <p:bgPr shadeToTitle="0">
         <a:solidFill>
-          <a:srgbClr val="362B42">
+          <a:srgbClr val="26233A">
             <a:alpha val="99999"/>
           </a:srgbClr>
         </a:solidFill>
@@ -5016,8 +5016,8 @@
         </p:nvSpPr>
         <p:spPr bwMode="auto">
           <a:xfrm flipH="0" flipV="0">
-            <a:off x="780264" y="1445165"/>
-            <a:ext cx="8774070" cy="6888839"/>
+            <a:off x="780264" y="1349914"/>
+            <a:ext cx="8805749" cy="8260439"/>
           </a:xfrm>
           <a:prstGeom prst="rect">
             <a:avLst/>
@@ -5421,9 +5421,9 @@
               </a:rPr>
               <a:t>nuts</a:t>
             </a:r>
-            <a:endParaRPr sz="2400" b="0" i="0" u="none" strike="noStrike" cap="none" spc="0">
+            <a:endParaRPr lang="en-US" sz="3600" b="1" i="0" u="none" strike="noStrike" cap="none" spc="0">
               <a:solidFill>
-                <a:schemeClr val="bg1"/>
+                <a:srgbClr val="7EA30D"/>
               </a:solidFill>
               <a:latin typeface="Agave"/>
               <a:ea typeface="Agave"/>
@@ -5434,7 +5434,7 @@
             <a:pPr>
               <a:defRPr/>
             </a:pPr>
-            <a:endParaRPr sz="2200" b="0" i="0" u="none" strike="noStrike" cap="none" spc="0">
+            <a:endParaRPr sz="2800" b="0" i="1" u="none" strike="noStrike" cap="none" spc="0">
               <a:solidFill>
                 <a:schemeClr val="bg1"/>
               </a:solidFill>
@@ -5449,7 +5449,49 @@
             <a:r>
               <a:rPr lang="en-US" sz="2800" b="0" i="1" u="none" strike="noStrike" cap="none" spc="0">
                 <a:solidFill>
-                  <a:schemeClr val="bg1"/>
+                  <a:schemeClr val="bg1">
+                    <a:lumMod val="75000"/>
+                  </a:schemeClr>
+                </a:solidFill>
+                <a:latin typeface="Agave"/>
+                <a:ea typeface="Agave"/>
+                <a:cs typeface="Agave"/>
+              </a:rPr>
+              <a:t>Estimating impact of food choices on life</a:t>
+            </a:r>
+            <a:endParaRPr sz="2800" b="0" i="1" u="none" strike="noStrike" cap="none" spc="0">
+              <a:solidFill>
+                <a:schemeClr val="bg1">
+                  <a:lumMod val="75000"/>
+                </a:schemeClr>
+              </a:solidFill>
+              <a:latin typeface="Agave"/>
+              <a:cs typeface="Agave"/>
+            </a:endParaRPr>
+          </a:p>
+          <a:p>
+            <a:pPr>
+              <a:defRPr/>
+            </a:pPr>
+            <a:r>
+              <a:rPr lang="en-US" sz="2800" b="0" i="1" u="none" strike="noStrike" cap="none" spc="0">
+                <a:solidFill>
+                  <a:schemeClr val="bg1">
+                    <a:lumMod val="75000"/>
+                  </a:schemeClr>
+                </a:solidFill>
+                <a:latin typeface="Agave"/>
+                <a:ea typeface="Agave"/>
+                <a:cs typeface="Agave"/>
+              </a:rPr>
+              <a:t>expectancy: A modeling study. </a:t>
+            </a:r>
+            <a:r>
+              <a:rPr lang="en-US" sz="2800" b="0" i="1" u="none" strike="noStrike" cap="none" spc="0">
+                <a:solidFill>
+                  <a:schemeClr val="bg1">
+                    <a:lumMod val="75000"/>
+                  </a:schemeClr>
                 </a:solidFill>
                 <a:latin typeface="Agave"/>
                 <a:ea typeface="Agave"/>
@@ -5458,6 +5500,21 @@
               <a:t>Fadnes, Lars T et al. PLoS Med 2022 Feb 8; 19(2)</a:t>
             </a:r>
             <a:endParaRPr sz="2800" b="0" i="1" u="none" strike="noStrike" cap="none" spc="0">
+              <a:solidFill>
+                <a:schemeClr val="bg1">
+                  <a:lumMod val="75000"/>
+                </a:schemeClr>
+              </a:solidFill>
+              <a:latin typeface="Agave"/>
+              <a:ea typeface="Agave"/>
+              <a:cs typeface="Agave"/>
+            </a:endParaRPr>
+          </a:p>
+          <a:p>
+            <a:pPr>
+              <a:defRPr/>
+            </a:pPr>
+            <a:endParaRPr lang="en-US" sz="2800" b="0" i="1" u="none" strike="noStrike" cap="none" spc="0">
               <a:solidFill>
                 <a:schemeClr val="bg1"/>
               </a:solidFill>
@@ -5563,54 +5620,6 @@
           </a:p>
         </p:txBody>
       </p:sp>
-      <p:sp>
-        <p:nvSpPr>
-          <p:cNvPr id="603489966" name="TextBox 6"/>
-          <p:cNvSpPr txBox="1"/>
-          <p:nvPr/>
-        </p:nvSpPr>
-        <p:spPr bwMode="auto">
-          <a:xfrm rot="0" flipH="0" flipV="0">
-            <a:off x="173057" y="9377743"/>
-            <a:ext cx="4018584" cy="782172"/>
-          </a:xfrm>
-          <a:prstGeom prst="rect">
-            <a:avLst/>
-          </a:prstGeom>
-        </p:spPr>
-        <p:txBody>
-          <a:bodyPr lIns="0" tIns="0" rIns="0" bIns="0" rtlCol="0" anchor="t">
-            <a:spAutoFit/>
-          </a:bodyPr>
-          <a:lstStyle/>
-          <a:p>
-            <a:pPr algn="ctr">
-              <a:lnSpc>
-                <a:spcPts val="6155"/>
-              </a:lnSpc>
-              <a:defRPr/>
-            </a:pPr>
-            <a:r>
-              <a:rPr lang="en-US" sz="2600" b="0">
-                <a:solidFill>
-                  <a:schemeClr val="bg1"/>
-                </a:solidFill>
-                <a:latin typeface="Agave"/>
-                <a:ea typeface="Agave"/>
-                <a:cs typeface="Agave"/>
-              </a:rPr>
-              <a:t>Counsels on Lifestyle</a:t>
-            </a:r>
-            <a:endParaRPr sz="2600" b="0">
-              <a:solidFill>
-                <a:schemeClr val="bg1"/>
-              </a:solidFill>
-              <a:latin typeface="Tinos"/>
-              <a:cs typeface="Tinos"/>
-            </a:endParaRPr>
-          </a:p>
-        </p:txBody>
-      </p:sp>
       <p:cxnSp>
         <p:nvCxnSpPr>
           <p:cNvPr id="1817903344" name=""/>
@@ -5630,6 +5639,139 @@
           <a:ln w="38099" cap="flat" cmpd="sng" algn="ctr">
             <a:solidFill>
               <a:schemeClr val="bg1"/>
+            </a:solidFill>
+            <a:prstDash val="solid"/>
+          </a:ln>
+        </p:spPr>
+        <p:style>
+          <a:lnRef idx="1">
+            <a:schemeClr val="accent1">
+              <a:shade val="50000"/>
+            </a:schemeClr>
+          </a:lnRef>
+          <a:fillRef idx="0">
+            <a:schemeClr val="accent1"/>
+          </a:fillRef>
+          <a:effectRef idx="0">
+            <a:schemeClr val="accent1"/>
+          </a:effectRef>
+          <a:fontRef idx="minor">
+            <a:schemeClr val="tx1"/>
+          </a:fontRef>
+        </p:style>
+      </p:cxnSp>
+      <p:sp>
+        <p:nvSpPr>
+          <p:cNvPr id="1874863332" name="TextBox 6"/>
+          <p:cNvSpPr txBox="1"/>
+          <p:nvPr/>
+        </p:nvSpPr>
+        <p:spPr bwMode="auto">
+          <a:xfrm rot="0" flipH="0" flipV="0">
+            <a:off x="173055" y="9377742"/>
+            <a:ext cx="4594244" cy="782043"/>
+          </a:xfrm>
+          <a:prstGeom prst="rect">
+            <a:avLst/>
+          </a:prstGeom>
+        </p:spPr>
+        <p:txBody>
+          <a:bodyPr lIns="0" tIns="0" rIns="0" bIns="0" rtlCol="0" anchor="t">
+            <a:spAutoFit/>
+          </a:bodyPr>
+          <a:lstStyle/>
+          <a:p>
+            <a:pPr algn="ctr">
+              <a:lnSpc>
+                <a:spcPts val="6154"/>
+              </a:lnSpc>
+              <a:defRPr/>
+            </a:pPr>
+            <a:r>
+              <a:rPr lang="en-US" sz="2600" b="0">
+                <a:solidFill>
+                  <a:schemeClr val="bg1"/>
+                </a:solidFill>
+                <a:latin typeface="Agave"/>
+                <a:ea typeface="Agave"/>
+                <a:cs typeface="Agave"/>
+              </a:rPr>
+              <a:t>The Health Message Works!</a:t>
+            </a:r>
+            <a:endParaRPr sz="2600" b="0">
+              <a:solidFill>
+                <a:schemeClr val="bg1"/>
+              </a:solidFill>
+              <a:latin typeface="Tinos"/>
+              <a:cs typeface="Tinos"/>
+            </a:endParaRPr>
+          </a:p>
+        </p:txBody>
+      </p:sp>
+      <p:sp>
+        <p:nvSpPr>
+          <p:cNvPr id="1671623986" name=""/>
+          <p:cNvSpPr txBox="1"/>
+          <p:nvPr/>
+        </p:nvSpPr>
+        <p:spPr bwMode="auto">
+          <a:xfrm flipH="0" flipV="0">
+            <a:off x="3517758" y="155342"/>
+            <a:ext cx="6561210" cy="488039"/>
+          </a:xfrm>
+          <a:prstGeom prst="rect">
+            <a:avLst/>
+          </a:prstGeom>
+          <a:noFill/>
+        </p:spPr>
+        <p:txBody>
+          <a:bodyPr vertOverflow="overflow" horzOverflow="overflow" vert="horz" wrap="square" lIns="91440" tIns="45720" rIns="91440" bIns="45720" numCol="1" spcCol="0" rtlCol="0" fromWordArt="0" anchor="t" anchorCtr="0" forceAA="0" upright="0" compatLnSpc="0">
+            <a:spAutoFit/>
+          </a:bodyPr>
+          <a:p>
+            <a:pPr algn="r">
+              <a:defRPr/>
+            </a:pPr>
+            <a:r>
+              <a:rPr sz="2600" b="0">
+                <a:solidFill>
+                  <a:schemeClr val="bg1"/>
+                </a:solidFill>
+                <a:latin typeface="Agave"/>
+                <a:ea typeface="Agave"/>
+                <a:cs typeface="Agave"/>
+              </a:rPr>
+              <a:t>Scientific Research - 2022</a:t>
+            </a:r>
+            <a:endParaRPr sz="2600" b="0">
+              <a:solidFill>
+                <a:schemeClr val="bg1"/>
+              </a:solidFill>
+              <a:latin typeface="Agave"/>
+              <a:cs typeface="Agave"/>
+            </a:endParaRPr>
+          </a:p>
+        </p:txBody>
+      </p:sp>
+      <p:cxnSp>
+        <p:nvCxnSpPr>
+          <p:cNvPr id="1380262682" name=""/>
+          <p:cNvCxnSpPr>
+            <a:cxnSpLocks/>
+          </p:cNvCxnSpPr>
+          <p:nvPr/>
+        </p:nvCxnSpPr>
+        <p:spPr bwMode="auto">
+          <a:xfrm flipH="0" flipV="0">
+            <a:off x="1785" y="698934"/>
+            <a:ext cx="10247579" cy="75539"/>
+          </a:xfrm>
+          <a:prstGeom prst="line">
+            <a:avLst/>
+          </a:prstGeom>
+          <a:ln w="38099" cap="flat" cmpd="sng" algn="ctr">
+            <a:solidFill>
+              <a:srgbClr val="FFFFFF"/>
             </a:solidFill>
             <a:prstDash val="solid"/>
           </a:ln>
@@ -5673,7 +5815,7 @@
     <p:bg>
       <p:bgPr shadeToTitle="0">
         <a:solidFill>
-          <a:srgbClr val="362B42">
+          <a:srgbClr val="26233A">
             <a:alpha val="99999"/>
           </a:srgbClr>
         </a:solidFill>
@@ -5701,8 +5843,8 @@
         </p:nvSpPr>
         <p:spPr bwMode="auto">
           <a:xfrm flipH="0" flipV="0">
-            <a:off x="1004097" y="1869804"/>
-            <a:ext cx="8332708" cy="6370679"/>
+            <a:off x="1004096" y="1488803"/>
+            <a:ext cx="8373747" cy="7437479"/>
           </a:xfrm>
           <a:prstGeom prst="rect">
             <a:avLst/>
@@ -5726,29 +5868,278 @@
                 <a:ea typeface="Agave"/>
                 <a:cs typeface="Agave"/>
               </a:rPr>
-              <a:t>Let the diet reform be progressive</a:t>
+              <a:t>God has, </a:t>
+            </a:r>
+            <a:r>
+              <a:rPr lang="en-US" sz="3600" b="1" i="0" u="none" strike="noStrike" cap="none" spc="0">
+                <a:solidFill>
+                  <a:srgbClr val="92D050"/>
+                </a:solidFill>
+                <a:latin typeface="Agave"/>
+                <a:ea typeface="Agave"/>
+                <a:cs typeface="Agave"/>
+              </a:rPr>
+              <a:t>with a lavish </a:t>
+            </a:r>
+            <a:r>
+              <a:rPr lang="en-US" sz="3600" b="1" i="0" u="none" strike="noStrike" cap="none" spc="0">
+                <a:solidFill>
+                  <a:srgbClr val="92D050"/>
+                </a:solidFill>
+                <a:latin typeface="Agave"/>
+                <a:ea typeface="Agave"/>
+                <a:cs typeface="Agave"/>
+              </a:rPr>
+              <a:t>hand,</a:t>
             </a:r>
             <a:r>
               <a:rPr lang="en-US" sz="3600" b="0" i="0" u="none" strike="noStrike" cap="none" spc="0">
                 <a:solidFill>
+                  <a:srgbClr val="92D050"/>
+                </a:solidFill>
+                <a:latin typeface="Agave"/>
+                <a:ea typeface="Agave"/>
+                <a:cs typeface="Agave"/>
+              </a:rPr>
+              <a:t> </a:t>
+            </a:r>
+            <a:r>
+              <a:rPr lang="en-US" sz="3600" b="0" i="0" u="none" strike="noStrike" cap="none" spc="0">
+                <a:solidFill>
                   <a:schemeClr val="bg1"/>
                 </a:solidFill>
                 <a:latin typeface="Agave"/>
                 <a:ea typeface="Agave"/>
                 <a:cs typeface="Agave"/>
               </a:rPr>
-              <a:t>. Let the people be taught how to prepare food without the use of milk or butter. Tell them that the </a:t>
+              <a:t>provided</a:t>
             </a:r>
             <a:r>
               <a:rPr lang="en-US" sz="3600" b="0" i="0" u="none" strike="noStrike" cap="none" spc="0">
                 <a:solidFill>
+                  <a:srgbClr val="92D050"/>
+                </a:solidFill>
+                <a:latin typeface="Agave"/>
+                <a:ea typeface="Agave"/>
+                <a:cs typeface="Agave"/>
+              </a:rPr>
+              <a:t> </a:t>
+            </a:r>
+            <a:r>
+              <a:rPr lang="en-US" sz="3600" b="0" i="0" u="none" strike="noStrike" cap="none" spc="0">
+                <a:solidFill>
+                  <a:schemeClr val="bg1"/>
+                </a:solidFill>
+                <a:latin typeface="Agave"/>
+                <a:ea typeface="Agave"/>
+                <a:cs typeface="Agave"/>
+              </a:rPr>
+              <a:t>us with</a:t>
+            </a:r>
+            <a:r>
+              <a:rPr lang="en-US" sz="3600" b="0" i="0" u="none" strike="noStrike" cap="none" spc="0">
+                <a:solidFill>
+                  <a:srgbClr val="92D050"/>
+                </a:solidFill>
+                <a:latin typeface="Agave"/>
+                <a:ea typeface="Agave"/>
+                <a:cs typeface="Agave"/>
+              </a:rPr>
+              <a:t> </a:t>
+            </a:r>
+            <a:r>
+              <a:rPr lang="en-US" sz="3600" b="1" i="0" u="none" strike="noStrike" cap="none" spc="0">
+                <a:solidFill>
+                  <a:srgbClr val="92D050"/>
+                </a:solidFill>
+                <a:latin typeface="Agave"/>
+                <a:ea typeface="Agave"/>
+                <a:cs typeface="Agave"/>
+              </a:rPr>
+              <a:t>rich and varied bounties</a:t>
+            </a:r>
+            <a:r>
+              <a:rPr lang="en-US" sz="3600" b="0" i="0" u="none" strike="noStrike" cap="none" spc="0">
+                <a:solidFill>
+                  <a:srgbClr val="92D050"/>
+                </a:solidFill>
+                <a:latin typeface="Agave"/>
+                <a:ea typeface="Agave"/>
+                <a:cs typeface="Agave"/>
+              </a:rPr>
+              <a:t> </a:t>
+            </a:r>
+            <a:r>
+              <a:rPr lang="en-US" sz="3600" b="0" i="0" u="none" strike="noStrike" cap="none" spc="0">
+                <a:solidFill>
+                  <a:schemeClr val="bg1"/>
+                </a:solidFill>
+                <a:latin typeface="Agave"/>
+                <a:ea typeface="Agave"/>
+                <a:cs typeface="Agave"/>
+              </a:rPr>
+              <a:t>for our</a:t>
+            </a:r>
+            <a:r>
+              <a:rPr lang="en-US" sz="3600" b="0" i="0" u="none" strike="noStrike" cap="none" spc="0">
+                <a:solidFill>
+                  <a:srgbClr val="92D050"/>
+                </a:solidFill>
+                <a:latin typeface="Agave"/>
+                <a:ea typeface="Agave"/>
+                <a:cs typeface="Agave"/>
+              </a:rPr>
+              <a:t> </a:t>
+            </a:r>
+            <a:r>
+              <a:rPr lang="en-US" sz="3600" b="1" i="0" u="none" strike="noStrike" cap="none" spc="0">
+                <a:solidFill>
+                  <a:srgbClr val="00B0F0"/>
+                </a:solidFill>
+                <a:latin typeface="Agave"/>
+                <a:ea typeface="Agave"/>
+                <a:cs typeface="Agave"/>
+              </a:rPr>
+              <a:t>sustenance </a:t>
+            </a:r>
+            <a:r>
+              <a:rPr lang="en-US" sz="3600" b="1" i="0" u="none" strike="noStrike" cap="none" spc="0">
+                <a:solidFill>
+                  <a:srgbClr val="00B0F0"/>
+                </a:solidFill>
+                <a:latin typeface="Agave"/>
+                <a:ea typeface="Agave"/>
+                <a:cs typeface="Agave"/>
+              </a:rPr>
+              <a:t>and enjoyment... </a:t>
+            </a:r>
+            <a:endParaRPr sz="3600" b="1" i="0" u="none" strike="noStrike" cap="none" spc="0">
+              <a:solidFill>
+                <a:srgbClr val="00B0F0"/>
+              </a:solidFill>
+              <a:latin typeface="Agave"/>
+              <a:ea typeface="Agave"/>
+              <a:cs typeface="Agave"/>
+            </a:endParaRPr>
+          </a:p>
+          <a:p>
+            <a:pPr>
+              <a:defRPr/>
+            </a:pPr>
+            <a:endParaRPr lang="en-US" sz="3600" b="0" i="0" u="none" strike="noStrike" cap="none" spc="0">
+              <a:solidFill>
+                <a:srgbClr val="00B0F0"/>
+              </a:solidFill>
+              <a:latin typeface="Agave"/>
+              <a:ea typeface="Agave"/>
+              <a:cs typeface="Agave"/>
+            </a:endParaRPr>
+          </a:p>
+          <a:p>
+            <a:pPr>
+              <a:defRPr/>
+            </a:pPr>
+            <a:r>
+              <a:rPr lang="en-US" sz="3600" b="0" i="0" u="none" strike="noStrike" cap="none" spc="0">
+                <a:solidFill>
+                  <a:schemeClr val="bg1"/>
+                </a:solidFill>
+                <a:latin typeface="Agave"/>
+                <a:ea typeface="Agave"/>
+                <a:cs typeface="Agave"/>
+              </a:rPr>
+              <a:t>...in order for us to enjoy the natural appetite, </a:t>
+            </a:r>
+            <a:r>
+              <a:rPr lang="en-US" sz="3600" b="0" i="0" u="none" strike="noStrike" cap="none" spc="0">
+                <a:solidFill>
+                  <a:schemeClr val="bg1"/>
+                </a:solidFill>
+                <a:latin typeface="Agave"/>
+                <a:ea typeface="Agave"/>
+                <a:cs typeface="Agave"/>
+              </a:rPr>
+              <a:t>which will </a:t>
+            </a:r>
+            <a:r>
+              <a:rPr lang="en-US" sz="3600" b="1" i="0" u="none" strike="noStrike" cap="none" spc="0">
+                <a:solidFill>
+                  <a:srgbClr val="92D050"/>
+                </a:solidFill>
+                <a:latin typeface="Agave"/>
+                <a:ea typeface="Agave"/>
+                <a:cs typeface="Agave"/>
+              </a:rPr>
+              <a:t>preserve health and prolong life</a:t>
+            </a:r>
+            <a:r>
+              <a:rPr lang="en-US" sz="3600" b="1" i="0" u="none" strike="noStrike" cap="none" spc="0">
+                <a:solidFill>
+                  <a:schemeClr val="bg1"/>
+                </a:solidFill>
+                <a:latin typeface="Agave"/>
+                <a:ea typeface="Agave"/>
+                <a:cs typeface="Agave"/>
+              </a:rPr>
+              <a:t>, </a:t>
+            </a:r>
+            <a:r>
+              <a:rPr lang="en-US" sz="3600" b="0" i="0" u="none" strike="noStrike" cap="none" spc="0">
+                <a:solidFill>
+                  <a:schemeClr val="bg1"/>
+                </a:solidFill>
+                <a:latin typeface="Agave"/>
+                <a:ea typeface="Agave"/>
+                <a:cs typeface="Agave"/>
+              </a:rPr>
+              <a:t>He restricts the appetite.</a:t>
+            </a:r>
+            <a:endParaRPr lang="en-US" sz="3600" b="0" i="0" u="none" strike="noStrike" cap="none" spc="0">
+              <a:solidFill>
+                <a:schemeClr val="bg1"/>
+              </a:solidFill>
+              <a:latin typeface="Agave"/>
+              <a:ea typeface="Agave"/>
+              <a:cs typeface="Agave"/>
+            </a:endParaRPr>
+          </a:p>
+          <a:p>
+            <a:pPr>
+              <a:defRPr/>
+            </a:pPr>
+            <a:endParaRPr lang="en-US" sz="3600" b="0" i="0" u="none" strike="noStrike" cap="none" spc="0">
+              <a:solidFill>
+                <a:srgbClr val="00B0F0"/>
+              </a:solidFill>
+              <a:latin typeface="Agave"/>
+              <a:cs typeface="Agave"/>
+            </a:endParaRPr>
+          </a:p>
+          <a:p>
+            <a:pPr>
+              <a:defRPr/>
+            </a:pPr>
+            <a:r>
+              <a:rPr lang="en-US" sz="3600" b="0" i="0" u="none" strike="noStrike" cap="none" spc="0">
+                <a:solidFill>
+                  <a:schemeClr val="bg1"/>
+                </a:solidFill>
+                <a:latin typeface="Agave"/>
+                <a:ea typeface="Agave"/>
+                <a:cs typeface="Agave"/>
+              </a:rPr>
+              <a:t>He says, </a:t>
+            </a:r>
+            <a:r>
+              <a:rPr lang="en-US" sz="3600" b="0" i="0" u="none" strike="noStrike" cap="none" spc="0">
+                <a:solidFill>
                   <a:srgbClr val="FFC000"/>
                 </a:solidFill>
                 <a:latin typeface="Agave"/>
                 <a:ea typeface="Agave"/>
                 <a:cs typeface="Agave"/>
               </a:rPr>
-              <a:t>time will soon come when there will be no safety in using eggs, milk, cream, or butter</a:t>
+              <a:t>Beware; restrain, deny, unnatural appetite</a:t>
             </a:r>
             <a:r>
               <a:rPr lang="en-US" sz="3600" b="0" i="0" u="none" strike="noStrike" cap="none" spc="0">
@@ -5759,31 +6150,22 @@
                 <a:ea typeface="Agave"/>
                 <a:cs typeface="Agave"/>
               </a:rPr>
-              <a:t>, </a:t>
-            </a:r>
-            <a:r>
-              <a:rPr lang="en-US" sz="3600" b="0" i="0" u="none" strike="noStrike" cap="none" spc="0">
-                <a:solidFill>
-                  <a:srgbClr val="EB6F92"/>
-                </a:solidFill>
-                <a:latin typeface="Agave"/>
-                <a:ea typeface="Agave"/>
-                <a:cs typeface="Agave"/>
-              </a:rPr>
-              <a:t>because disease in animals is increasing in proportion to the increase of wickedness among men</a:t>
-            </a:r>
-            <a:r>
-              <a:rPr lang="en-US" sz="3600" b="0" i="0" u="none" strike="noStrike" cap="none" spc="0">
-                <a:solidFill>
-                  <a:schemeClr val="bg1"/>
-                </a:solidFill>
-                <a:latin typeface="Agave"/>
-                <a:ea typeface="Agave"/>
-                <a:cs typeface="Agave"/>
-              </a:rPr>
-              <a:t>... </a:t>
-            </a:r>
-            <a:endParaRPr lang="en-US" sz="2400" b="0" i="0" u="none" strike="noStrike" cap="none" spc="0">
+              <a:t>.</a:t>
+            </a:r>
+            <a:endParaRPr lang="en-US" sz="3600" b="0" i="0" u="none" strike="noStrike" cap="none" spc="0">
+              <a:solidFill>
+                <a:schemeClr val="bg1"/>
+              </a:solidFill>
+              <a:latin typeface="Agave"/>
+              <a:ea typeface="Agave"/>
+              <a:cs typeface="Agave"/>
+            </a:endParaRPr>
+          </a:p>
+          <a:p>
+            <a:pPr>
+              <a:defRPr/>
+            </a:pPr>
+            <a:endParaRPr sz="2400" b="0" i="0" u="none" strike="noStrike" cap="none" spc="0">
               <a:solidFill>
                 <a:schemeClr val="bg1"/>
               </a:solidFill>
@@ -5795,20 +6177,8 @@
             <a:pPr>
               <a:defRPr/>
             </a:pPr>
-            <a:endParaRPr lang="en-US" sz="2400" b="0" i="0" u="none" strike="noStrike" cap="none" spc="0">
-              <a:solidFill>
-                <a:schemeClr val="bg1"/>
-              </a:solidFill>
-              <a:latin typeface="Agave"/>
-              <a:cs typeface="Agave"/>
-            </a:endParaRPr>
-          </a:p>
-          <a:p>
-            <a:pPr>
-              <a:defRPr/>
-            </a:pPr>
-            <a:r>
-              <a:rPr lang="en-US" sz="2800" b="0" i="1" u="none" strike="noStrike" cap="none" spc="0">
+            <a:r>
+              <a:rPr lang="en-US" sz="2600" b="0" i="1" u="none" strike="noStrike" cap="none" spc="0">
                 <a:solidFill>
                   <a:schemeClr val="bg1"/>
                 </a:solidFill>
@@ -5816,9 +6186,9 @@
                 <a:ea typeface="Agave"/>
                 <a:cs typeface="Agave"/>
               </a:rPr>
-              <a:t>Testimonies for the Church 7:135, 1902 </a:t>
-            </a:r>
-            <a:endParaRPr sz="2800" b="0" i="0" u="none" strike="noStrike" cap="none" spc="0">
+              <a:t>Christian Temperance and Bible Hygiene, 150, 151</a:t>
+            </a:r>
+            <a:endParaRPr lang="en-US" sz="2600" b="0" i="1" u="none" strike="noStrike" cap="none" spc="0">
               <a:solidFill>
                 <a:schemeClr val="bg1"/>
               </a:solidFill>
@@ -5924,54 +6294,6 @@
           </a:p>
         </p:txBody>
       </p:sp>
-      <p:sp>
-        <p:nvSpPr>
-          <p:cNvPr id="1166846503" name="TextBox 6"/>
-          <p:cNvSpPr txBox="1"/>
-          <p:nvPr/>
-        </p:nvSpPr>
-        <p:spPr bwMode="auto">
-          <a:xfrm rot="0" flipH="0" flipV="0">
-            <a:off x="173058" y="9377743"/>
-            <a:ext cx="4018224" cy="782172"/>
-          </a:xfrm>
-          <a:prstGeom prst="rect">
-            <a:avLst/>
-          </a:prstGeom>
-        </p:spPr>
-        <p:txBody>
-          <a:bodyPr lIns="0" tIns="0" rIns="0" bIns="0" rtlCol="0" anchor="t">
-            <a:spAutoFit/>
-          </a:bodyPr>
-          <a:lstStyle/>
-          <a:p>
-            <a:pPr algn="ctr">
-              <a:lnSpc>
-                <a:spcPts val="6155"/>
-              </a:lnSpc>
-              <a:defRPr/>
-            </a:pPr>
-            <a:r>
-              <a:rPr lang="en-US" sz="2600" b="0">
-                <a:solidFill>
-                  <a:schemeClr val="bg1"/>
-                </a:solidFill>
-                <a:latin typeface="Agave"/>
-                <a:ea typeface="Agave"/>
-                <a:cs typeface="Agave"/>
-              </a:rPr>
-              <a:t>Counsels on Lifestyle</a:t>
-            </a:r>
-            <a:endParaRPr sz="2600" b="0">
-              <a:solidFill>
-                <a:schemeClr val="bg1"/>
-              </a:solidFill>
-              <a:latin typeface="Tinos"/>
-              <a:cs typeface="Tinos"/>
-            </a:endParaRPr>
-          </a:p>
-        </p:txBody>
-      </p:sp>
       <p:cxnSp>
         <p:nvCxnSpPr>
           <p:cNvPr id="999596779" name=""/>
@@ -5991,6 +6313,139 @@
           <a:ln w="38099" cap="flat" cmpd="sng" algn="ctr">
             <a:solidFill>
               <a:schemeClr val="bg1"/>
+            </a:solidFill>
+            <a:prstDash val="solid"/>
+          </a:ln>
+        </p:spPr>
+        <p:style>
+          <a:lnRef idx="1">
+            <a:schemeClr val="accent1">
+              <a:shade val="50000"/>
+            </a:schemeClr>
+          </a:lnRef>
+          <a:fillRef idx="0">
+            <a:schemeClr val="accent1"/>
+          </a:fillRef>
+          <a:effectRef idx="0">
+            <a:schemeClr val="accent1"/>
+          </a:effectRef>
+          <a:fontRef idx="minor">
+            <a:schemeClr val="tx1"/>
+          </a:fontRef>
+        </p:style>
+      </p:cxnSp>
+      <p:sp>
+        <p:nvSpPr>
+          <p:cNvPr id="1916109640" name="TextBox 6"/>
+          <p:cNvSpPr txBox="1"/>
+          <p:nvPr/>
+        </p:nvSpPr>
+        <p:spPr bwMode="auto">
+          <a:xfrm rot="0" flipH="0" flipV="0">
+            <a:off x="173056" y="9377742"/>
+            <a:ext cx="4593884" cy="782043"/>
+          </a:xfrm>
+          <a:prstGeom prst="rect">
+            <a:avLst/>
+          </a:prstGeom>
+        </p:spPr>
+        <p:txBody>
+          <a:bodyPr lIns="0" tIns="0" rIns="0" bIns="0" rtlCol="0" anchor="t">
+            <a:spAutoFit/>
+          </a:bodyPr>
+          <a:lstStyle/>
+          <a:p>
+            <a:pPr algn="ctr">
+              <a:lnSpc>
+                <a:spcPts val="6154"/>
+              </a:lnSpc>
+              <a:defRPr/>
+            </a:pPr>
+            <a:r>
+              <a:rPr lang="en-US" sz="2600" b="0">
+                <a:solidFill>
+                  <a:schemeClr val="bg1"/>
+                </a:solidFill>
+                <a:latin typeface="Agave"/>
+                <a:ea typeface="Agave"/>
+                <a:cs typeface="Agave"/>
+              </a:rPr>
+              <a:t>The Health Message Works!</a:t>
+            </a:r>
+            <a:endParaRPr sz="2600" b="0">
+              <a:solidFill>
+                <a:schemeClr val="bg1"/>
+              </a:solidFill>
+              <a:latin typeface="Tinos"/>
+              <a:cs typeface="Tinos"/>
+            </a:endParaRPr>
+          </a:p>
+        </p:txBody>
+      </p:sp>
+      <p:sp>
+        <p:nvSpPr>
+          <p:cNvPr id="2030031937" name=""/>
+          <p:cNvSpPr txBox="1"/>
+          <p:nvPr/>
+        </p:nvSpPr>
+        <p:spPr bwMode="auto">
+          <a:xfrm flipH="0" flipV="0">
+            <a:off x="3517758" y="155341"/>
+            <a:ext cx="6549689" cy="488039"/>
+          </a:xfrm>
+          <a:prstGeom prst="rect">
+            <a:avLst/>
+          </a:prstGeom>
+          <a:noFill/>
+        </p:spPr>
+        <p:txBody>
+          <a:bodyPr vertOverflow="overflow" horzOverflow="overflow" vert="horz" wrap="square" lIns="91440" tIns="45720" rIns="91440" bIns="45720" numCol="1" spcCol="0" rtlCol="0" fromWordArt="0" anchor="t" anchorCtr="0" forceAA="0" upright="0" compatLnSpc="0">
+            <a:spAutoFit/>
+          </a:bodyPr>
+          <a:p>
+            <a:pPr algn="r">
+              <a:defRPr/>
+            </a:pPr>
+            <a:r>
+              <a:rPr sz="2600" b="0">
+                <a:solidFill>
+                  <a:schemeClr val="bg1"/>
+                </a:solidFill>
+                <a:latin typeface="Agave"/>
+                <a:ea typeface="Agave"/>
+                <a:cs typeface="Agave"/>
+              </a:rPr>
+              <a:t>Ellen G. White - 1890</a:t>
+            </a:r>
+            <a:endParaRPr sz="2600" b="0">
+              <a:solidFill>
+                <a:schemeClr val="bg1"/>
+              </a:solidFill>
+              <a:latin typeface="Agave"/>
+              <a:cs typeface="Agave"/>
+            </a:endParaRPr>
+          </a:p>
+        </p:txBody>
+      </p:sp>
+      <p:cxnSp>
+        <p:nvCxnSpPr>
+          <p:cNvPr id="1518614198" name=""/>
+          <p:cNvCxnSpPr>
+            <a:cxnSpLocks/>
+          </p:cNvCxnSpPr>
+          <p:nvPr/>
+        </p:nvCxnSpPr>
+        <p:spPr bwMode="auto">
+          <a:xfrm flipH="0" flipV="0">
+            <a:off x="1785" y="698934"/>
+            <a:ext cx="10247579" cy="75539"/>
+          </a:xfrm>
+          <a:prstGeom prst="line">
+            <a:avLst/>
+          </a:prstGeom>
+          <a:ln w="38099" cap="flat" cmpd="sng" algn="ctr">
+            <a:solidFill>
+              <a:srgbClr val="FFFFFF"/>
             </a:solidFill>
             <a:prstDash val="solid"/>
           </a:ln>
